--- a/2021년 12월 4일 용접자동화로봇.pptx
+++ b/2021년 12월 4일 용접자동화로봇.pptx
@@ -5,10 +5,10 @@
     <p:sldMasterId id="2147483693" r:id="rId1"/>
   </p:sldMasterIdLst>
   <p:notesMasterIdLst>
-    <p:notesMasterId r:id="rId28"/>
+    <p:notesMasterId r:id="rId30"/>
   </p:notesMasterIdLst>
   <p:handoutMasterIdLst>
-    <p:handoutMasterId r:id="rId29"/>
+    <p:handoutMasterId r:id="rId31"/>
   </p:handoutMasterIdLst>
   <p:sldIdLst>
     <p:sldId id="257" r:id="rId2"/>
@@ -26,17 +26,19 @@
     <p:sldId id="662" r:id="rId14"/>
     <p:sldId id="663" r:id="rId15"/>
     <p:sldId id="664" r:id="rId16"/>
-    <p:sldId id="667" r:id="rId17"/>
-    <p:sldId id="668" r:id="rId18"/>
-    <p:sldId id="531" r:id="rId19"/>
-    <p:sldId id="651" r:id="rId20"/>
-    <p:sldId id="652" r:id="rId21"/>
-    <p:sldId id="654" r:id="rId22"/>
-    <p:sldId id="655" r:id="rId23"/>
-    <p:sldId id="656" r:id="rId24"/>
-    <p:sldId id="657" r:id="rId25"/>
-    <p:sldId id="658" r:id="rId26"/>
-    <p:sldId id="537" r:id="rId27"/>
+    <p:sldId id="665" r:id="rId17"/>
+    <p:sldId id="666" r:id="rId18"/>
+    <p:sldId id="667" r:id="rId19"/>
+    <p:sldId id="668" r:id="rId20"/>
+    <p:sldId id="531" r:id="rId21"/>
+    <p:sldId id="651" r:id="rId22"/>
+    <p:sldId id="652" r:id="rId23"/>
+    <p:sldId id="654" r:id="rId24"/>
+    <p:sldId id="655" r:id="rId25"/>
+    <p:sldId id="656" r:id="rId26"/>
+    <p:sldId id="657" r:id="rId27"/>
+    <p:sldId id="658" r:id="rId28"/>
+    <p:sldId id="537" r:id="rId29"/>
   </p:sldIdLst>
   <p:sldSz cx="9144000" cy="6858000" type="screen4x3"/>
   <p:notesSz cx="6805613" cy="9939338"/>
@@ -1180,7 +1182,7 @@
     </p:spTree>
     <p:extLst>
       <p:ext uri="{BB962C8B-B14F-4D97-AF65-F5344CB8AC3E}">
-        <p14:creationId xmlns:p14="http://schemas.microsoft.com/office/powerpoint/2010/main" xmlns="" val="1021883290"/>
+        <p14:creationId xmlns:p14="http://schemas.microsoft.com/office/powerpoint/2010/main" xmlns="" val="2217192251"/>
       </p:ext>
     </p:extLst>
   </p:cSld>
@@ -1241,7 +1243,7 @@
     </p:spTree>
     <p:extLst>
       <p:ext uri="{BB962C8B-B14F-4D97-AF65-F5344CB8AC3E}">
-        <p14:creationId xmlns:p14="http://schemas.microsoft.com/office/powerpoint/2010/main" xmlns="" val="1608451968"/>
+        <p14:creationId xmlns:p14="http://schemas.microsoft.com/office/powerpoint/2010/main" xmlns="" val="109713054"/>
       </p:ext>
     </p:extLst>
   </p:cSld>
@@ -1272,7 +1274,7 @@
         <p:nvSpPr>
           <p:cNvPr id="2" name="슬라이드 이미지 개체 틀 1"/>
           <p:cNvSpPr>
-            <a:spLocks noGrp="1" noRot="1" noChangeAspect="1" noTextEdit="1"/>
+            <a:spLocks noGrp="1" noRot="1" noChangeAspect="1"/>
           </p:cNvSpPr>
           <p:nvPr>
             <p:ph type="sldImg"/>
@@ -1295,14 +1297,16 @@
           <a:bodyPr/>
           <a:lstStyle/>
           <a:p>
-            <a:pPr lvl="0">
-              <a:defRPr/>
-            </a:pPr>
-            <a:endParaRPr lang="ko-KR" altLang="en-US"/>
+            <a:endParaRPr lang="ko-KR" altLang="en-US" dirty="0"/>
           </a:p>
         </p:txBody>
       </p:sp>
     </p:spTree>
+    <p:extLst>
+      <p:ext uri="{BB962C8B-B14F-4D97-AF65-F5344CB8AC3E}">
+        <p14:creationId xmlns:p14="http://schemas.microsoft.com/office/powerpoint/2010/main" xmlns="" val="1021883290"/>
+      </p:ext>
+    </p:extLst>
   </p:cSld>
   <p:clrMapOvr>
     <a:masterClrMapping/>
@@ -1331,7 +1335,7 @@
         <p:nvSpPr>
           <p:cNvPr id="2" name="슬라이드 이미지 개체 틀 1"/>
           <p:cNvSpPr>
-            <a:spLocks noGrp="1" noRot="1" noChangeAspect="1" noTextEdit="1"/>
+            <a:spLocks noGrp="1" noRot="1" noChangeAspect="1"/>
           </p:cNvSpPr>
           <p:nvPr>
             <p:ph type="sldImg"/>
@@ -1354,14 +1358,16 @@
           <a:bodyPr/>
           <a:lstStyle/>
           <a:p>
-            <a:pPr lvl="0">
-              <a:defRPr/>
-            </a:pPr>
-            <a:endParaRPr lang="ko-KR" altLang="en-US"/>
+            <a:endParaRPr lang="ko-KR" altLang="en-US" dirty="0"/>
           </a:p>
         </p:txBody>
       </p:sp>
     </p:spTree>
+    <p:extLst>
+      <p:ext uri="{BB962C8B-B14F-4D97-AF65-F5344CB8AC3E}">
+        <p14:creationId xmlns:p14="http://schemas.microsoft.com/office/powerpoint/2010/main" xmlns="" val="1608451968"/>
+      </p:ext>
+    </p:extLst>
   </p:cSld>
   <p:clrMapOvr>
     <a:masterClrMapping/>
@@ -1783,6 +1789,124 @@
 </file>
 
 <file path=ppt/notesSlides/notesSlide25.xml><?xml version="1.0" encoding="utf-8"?>
+<p:notes xmlns:a="http://schemas.openxmlformats.org/drawingml/2006/main" xmlns:r="http://schemas.openxmlformats.org/officeDocument/2006/relationships" xmlns:p="http://schemas.openxmlformats.org/presentationml/2006/main">
+  <p:cSld>
+    <p:spTree>
+      <p:nvGrpSpPr>
+        <p:cNvPr id="1" name=""/>
+        <p:cNvGrpSpPr/>
+        <p:nvPr/>
+      </p:nvGrpSpPr>
+      <p:grpSpPr>
+        <a:xfrm>
+          <a:off x="0" y="0"/>
+          <a:ext cx="0" cy="0"/>
+          <a:chOff x="0" y="0"/>
+          <a:chExt cx="0" cy="0"/>
+        </a:xfrm>
+      </p:grpSpPr>
+      <p:sp>
+        <p:nvSpPr>
+          <p:cNvPr id="2" name="슬라이드 이미지 개체 틀 1"/>
+          <p:cNvSpPr>
+            <a:spLocks noGrp="1" noRot="1" noChangeAspect="1" noTextEdit="1"/>
+          </p:cNvSpPr>
+          <p:nvPr>
+            <p:ph type="sldImg"/>
+          </p:nvPr>
+        </p:nvSpPr>
+        <p:spPr/>
+      </p:sp>
+      <p:sp>
+        <p:nvSpPr>
+          <p:cNvPr id="3" name="슬라이드 노트 개체 틀 2"/>
+          <p:cNvSpPr>
+            <a:spLocks noGrp="1"/>
+          </p:cNvSpPr>
+          <p:nvPr>
+            <p:ph type="body" idx="1"/>
+          </p:nvPr>
+        </p:nvSpPr>
+        <p:spPr/>
+        <p:txBody>
+          <a:bodyPr/>
+          <a:lstStyle/>
+          <a:p>
+            <a:pPr lvl="0">
+              <a:defRPr/>
+            </a:pPr>
+            <a:endParaRPr lang="ko-KR" altLang="en-US"/>
+          </a:p>
+        </p:txBody>
+      </p:sp>
+    </p:spTree>
+  </p:cSld>
+  <p:clrMapOvr>
+    <a:masterClrMapping/>
+  </p:clrMapOvr>
+</p:notes>
+</file>
+
+<file path=ppt/notesSlides/notesSlide26.xml><?xml version="1.0" encoding="utf-8"?>
+<p:notes xmlns:a="http://schemas.openxmlformats.org/drawingml/2006/main" xmlns:r="http://schemas.openxmlformats.org/officeDocument/2006/relationships" xmlns:p="http://schemas.openxmlformats.org/presentationml/2006/main">
+  <p:cSld>
+    <p:spTree>
+      <p:nvGrpSpPr>
+        <p:cNvPr id="1" name=""/>
+        <p:cNvGrpSpPr/>
+        <p:nvPr/>
+      </p:nvGrpSpPr>
+      <p:grpSpPr>
+        <a:xfrm>
+          <a:off x="0" y="0"/>
+          <a:ext cx="0" cy="0"/>
+          <a:chOff x="0" y="0"/>
+          <a:chExt cx="0" cy="0"/>
+        </a:xfrm>
+      </p:grpSpPr>
+      <p:sp>
+        <p:nvSpPr>
+          <p:cNvPr id="2" name="슬라이드 이미지 개체 틀 1"/>
+          <p:cNvSpPr>
+            <a:spLocks noGrp="1" noRot="1" noChangeAspect="1" noTextEdit="1"/>
+          </p:cNvSpPr>
+          <p:nvPr>
+            <p:ph type="sldImg"/>
+          </p:nvPr>
+        </p:nvSpPr>
+        <p:spPr/>
+      </p:sp>
+      <p:sp>
+        <p:nvSpPr>
+          <p:cNvPr id="3" name="슬라이드 노트 개체 틀 2"/>
+          <p:cNvSpPr>
+            <a:spLocks noGrp="1"/>
+          </p:cNvSpPr>
+          <p:nvPr>
+            <p:ph type="body" idx="1"/>
+          </p:nvPr>
+        </p:nvSpPr>
+        <p:spPr/>
+        <p:txBody>
+          <a:bodyPr/>
+          <a:lstStyle/>
+          <a:p>
+            <a:pPr lvl="0">
+              <a:defRPr/>
+            </a:pPr>
+            <a:endParaRPr lang="ko-KR" altLang="en-US"/>
+          </a:p>
+        </p:txBody>
+      </p:sp>
+    </p:spTree>
+  </p:cSld>
+  <p:clrMapOvr>
+    <a:masterClrMapping/>
+  </p:clrMapOvr>
+</p:notes>
+</file>
+
+<file path=ppt/notesSlides/notesSlide27.xml><?xml version="1.0" encoding="utf-8"?>
 <p:notes xmlns:a="http://schemas.openxmlformats.org/drawingml/2006/main" xmlns:r="http://schemas.openxmlformats.org/officeDocument/2006/relationships" xmlns:p="http://schemas.openxmlformats.org/presentationml/2006/main">
   <p:cSld>
     <p:spTree>
@@ -5451,7 +5575,14 @@
   <p:clrMapOvr>
     <a:masterClrMapping/>
   </p:clrMapOvr>
-  <p:transition advTm="407"/>
+  <p:transition advTm="328"/>
+  <p:timing>
+    <p:tnLst>
+      <p:par>
+        <p:cTn id="1" dur="indefinite" restart="never" nodeType="tmRoot"/>
+      </p:par>
+    </p:tnLst>
+  </p:timing>
 </p:sld>
 </file>
 
@@ -6056,6 +6187,7 @@
   <p:clrMapOvr>
     <a:masterClrMapping/>
   </p:clrMapOvr>
+  <p:transition advTm="1484"/>
   <p:timing>
     <p:tnLst>
       <p:par>
@@ -6753,6 +6885,7 @@
   <p:clrMapOvr>
     <a:masterClrMapping/>
   </p:clrMapOvr>
+  <p:transition advTm="688"/>
   <p:timing>
     <p:tnLst>
       <p:par>
@@ -7942,6 +8075,7 @@
   <p:clrMapOvr>
     <a:masterClrMapping/>
   </p:clrMapOvr>
+  <p:transition advTm="312"/>
   <p:timing>
     <p:tnLst>
       <p:par>
@@ -8846,7 +8980,7 @@
   <p:clrMapOvr>
     <a:masterClrMapping/>
   </p:clrMapOvr>
-  <p:transition advTm="500"/>
+  <p:transition advTm="547"/>
   <p:timing>
     <p:tnLst>
       <p:par>
@@ -10127,6 +10261,7 @@
   <p:clrMapOvr>
     <a:masterClrMapping/>
   </p:clrMapOvr>
+  <p:transition advTm="672"/>
   <p:timing>
     <p:tnLst>
       <p:par>
@@ -11413,6 +11548,7 @@
   <p:clrMapOvr>
     <a:masterClrMapping/>
   </p:clrMapOvr>
+  <p:transition advTm="593"/>
   <p:timing>
     <p:tnLst>
       <p:par>
@@ -11424,6 +11560,1208 @@
 </file>
 
 <file path=ppt/slides/slide16.xml><?xml version="1.0" encoding="utf-8"?>
+<p:sld xmlns:a="http://schemas.openxmlformats.org/drawingml/2006/main" xmlns:r="http://schemas.openxmlformats.org/officeDocument/2006/relationships" xmlns:p="http://schemas.openxmlformats.org/presentationml/2006/main">
+  <p:cSld>
+    <p:spTree>
+      <p:nvGrpSpPr>
+        <p:cNvPr id="1" name=""/>
+        <p:cNvGrpSpPr/>
+        <p:nvPr/>
+      </p:nvGrpSpPr>
+      <p:grpSpPr>
+        <a:xfrm>
+          <a:off x="0" y="0"/>
+          <a:ext cx="0" cy="0"/>
+          <a:chOff x="0" y="0"/>
+          <a:chExt cx="0" cy="0"/>
+        </a:xfrm>
+      </p:grpSpPr>
+      <p:cxnSp>
+        <p:nvCxnSpPr>
+          <p:cNvPr id="20" name="직선 연결선 19"/>
+          <p:cNvCxnSpPr>
+            <a:cxnSpLocks/>
+          </p:cNvCxnSpPr>
+          <p:nvPr/>
+        </p:nvCxnSpPr>
+        <p:spPr>
+          <a:xfrm>
+            <a:off x="653903" y="596813"/>
+            <a:ext cx="7783033" cy="0"/>
+          </a:xfrm>
+          <a:prstGeom prst="line">
+            <a:avLst/>
+          </a:prstGeom>
+          <a:ln w="3175">
+            <a:solidFill>
+              <a:schemeClr val="accent4">
+                <a:lumMod val="50000"/>
+              </a:schemeClr>
+            </a:solidFill>
+          </a:ln>
+        </p:spPr>
+        <p:style>
+          <a:lnRef idx="1">
+            <a:schemeClr val="accent1"/>
+          </a:lnRef>
+          <a:fillRef idx="0">
+            <a:schemeClr val="accent1"/>
+          </a:fillRef>
+          <a:effectRef idx="0">
+            <a:schemeClr val="accent1"/>
+          </a:effectRef>
+          <a:fontRef idx="minor">
+            <a:schemeClr val="tx1"/>
+          </a:fontRef>
+        </p:style>
+      </p:cxnSp>
+      <p:sp>
+        <p:nvSpPr>
+          <p:cNvPr id="31" name="제목 1"/>
+          <p:cNvSpPr>
+            <a:spLocks noGrp="1"/>
+          </p:cNvSpPr>
+          <p:nvPr>
+            <p:ph type="title"/>
+          </p:nvPr>
+        </p:nvSpPr>
+        <p:spPr>
+          <a:xfrm>
+            <a:off x="717130" y="711013"/>
+            <a:ext cx="3934755" cy="435695"/>
+          </a:xfrm>
+        </p:spPr>
+        <p:txBody>
+          <a:bodyPr>
+            <a:noAutofit/>
+          </a:bodyPr>
+          <a:lstStyle/>
+          <a:p>
+            <a:pPr algn="l"/>
+            <a:r>
+              <a:rPr lang="en-US" altLang="ko-KR" sz="2100" b="1" spc="-113" dirty="0">
+                <a:solidFill>
+                  <a:schemeClr val="accent4">
+                    <a:lumMod val="50000"/>
+                  </a:schemeClr>
+                </a:solidFill>
+              </a:rPr>
+              <a:t>1. </a:t>
+            </a:r>
+            <a:r>
+              <a:rPr lang="ko-KR" altLang="en-US" sz="2100" b="1" spc="-113" dirty="0">
+                <a:solidFill>
+                  <a:schemeClr val="accent4">
+                    <a:lumMod val="50000"/>
+                  </a:schemeClr>
+                </a:solidFill>
+              </a:rPr>
+              <a:t>이번주 작업</a:t>
+            </a:r>
+          </a:p>
+        </p:txBody>
+      </p:sp>
+      <p:pic>
+        <p:nvPicPr>
+          <p:cNvPr id="22" name="그림 21">
+            <a:extLst>
+              <a:ext uri="{FF2B5EF4-FFF2-40B4-BE49-F238E27FC236}">
+                <a16:creationId xmlns:a16="http://schemas.microsoft.com/office/drawing/2014/main" xmlns="" id="{FCFEE50E-57BA-4DB6-B7EE-66ECDF4A1020}"/>
+              </a:ext>
+            </a:extLst>
+          </p:cNvPr>
+          <p:cNvPicPr>
+            <a:picLocks noChangeAspect="1"/>
+          </p:cNvPicPr>
+          <p:nvPr/>
+        </p:nvPicPr>
+        <p:blipFill>
+          <a:blip r:embed="rId4" cstate="print">
+            <a:extLst>
+              <a:ext uri="{28A0092B-C50C-407E-A947-70E740481C1C}">
+                <a14:useLocalDpi xmlns:a14="http://schemas.microsoft.com/office/drawing/2010/main" xmlns="" val="0"/>
+              </a:ext>
+            </a:extLst>
+          </a:blip>
+          <a:stretch>
+            <a:fillRect/>
+          </a:stretch>
+        </p:blipFill>
+        <p:spPr>
+          <a:xfrm>
+            <a:off x="7269493" y="5647801"/>
+            <a:ext cx="1441048" cy="1141622"/>
+          </a:xfrm>
+          <a:prstGeom prst="rect">
+            <a:avLst/>
+          </a:prstGeom>
+        </p:spPr>
+      </p:pic>
+      <p:sp>
+        <p:nvSpPr>
+          <p:cNvPr id="6" name="내용 개체 틀 2">
+            <a:extLst>
+              <a:ext uri="{FF2B5EF4-FFF2-40B4-BE49-F238E27FC236}">
+                <a16:creationId xmlns:a16="http://schemas.microsoft.com/office/drawing/2014/main" xmlns="" id="{FFC3785C-829D-410F-9E15-1D4D13DDE777}"/>
+              </a:ext>
+            </a:extLst>
+          </p:cNvPr>
+          <p:cNvSpPr txBox="1">
+            <a:spLocks/>
+          </p:cNvSpPr>
+          <p:nvPr/>
+        </p:nvSpPr>
+        <p:spPr>
+          <a:xfrm>
+            <a:off x="717130" y="1153307"/>
+            <a:ext cx="4764683" cy="435695"/>
+          </a:xfrm>
+          <a:prstGeom prst="rect">
+            <a:avLst/>
+          </a:prstGeom>
+        </p:spPr>
+        <p:txBody>
+          <a:bodyPr vert="horz" lIns="68580" tIns="34290" rIns="68580" bIns="34290" rtlCol="0">
+            <a:normAutofit/>
+          </a:bodyPr>
+          <a:lstStyle>
+            <a:lvl1pPr marL="342900" indent="-342900" algn="l" defTabSz="914400" rtl="0" eaLnBrk="1" latinLnBrk="1" hangingPunct="1">
+              <a:spcBef>
+                <a:spcPct val="20000"/>
+              </a:spcBef>
+              <a:buFont typeface="Arial" pitchFamily="34" charset="0"/>
+              <a:buChar char="•"/>
+              <a:defRPr sz="3200" kern="1200">
+                <a:solidFill>
+                  <a:schemeClr val="tx1"/>
+                </a:solidFill>
+                <a:latin typeface="+mn-lt"/>
+                <a:ea typeface="+mn-ea"/>
+                <a:cs typeface="+mn-cs"/>
+              </a:defRPr>
+            </a:lvl1pPr>
+            <a:lvl2pPr marL="742950" indent="-285750" algn="l" defTabSz="914400" rtl="0" eaLnBrk="1" latinLnBrk="1" hangingPunct="1">
+              <a:spcBef>
+                <a:spcPct val="20000"/>
+              </a:spcBef>
+              <a:buFont typeface="Arial" pitchFamily="34" charset="0"/>
+              <a:buChar char="–"/>
+              <a:defRPr sz="2800" kern="1200">
+                <a:solidFill>
+                  <a:schemeClr val="tx1"/>
+                </a:solidFill>
+                <a:latin typeface="+mn-lt"/>
+                <a:ea typeface="+mn-ea"/>
+                <a:cs typeface="+mn-cs"/>
+              </a:defRPr>
+            </a:lvl2pPr>
+            <a:lvl3pPr marL="1143000" indent="-228600" algn="l" defTabSz="914400" rtl="0" eaLnBrk="1" latinLnBrk="1" hangingPunct="1">
+              <a:spcBef>
+                <a:spcPct val="20000"/>
+              </a:spcBef>
+              <a:buFont typeface="Arial" pitchFamily="34" charset="0"/>
+              <a:buChar char="•"/>
+              <a:defRPr sz="2400" kern="1200">
+                <a:solidFill>
+                  <a:schemeClr val="tx1"/>
+                </a:solidFill>
+                <a:latin typeface="+mn-lt"/>
+                <a:ea typeface="+mn-ea"/>
+                <a:cs typeface="+mn-cs"/>
+              </a:defRPr>
+            </a:lvl3pPr>
+            <a:lvl4pPr marL="1600200" indent="-228600" algn="l" defTabSz="914400" rtl="0" eaLnBrk="1" latinLnBrk="1" hangingPunct="1">
+              <a:spcBef>
+                <a:spcPct val="20000"/>
+              </a:spcBef>
+              <a:buFont typeface="Arial" pitchFamily="34" charset="0"/>
+              <a:buChar char="–"/>
+              <a:defRPr sz="2000" kern="1200">
+                <a:solidFill>
+                  <a:schemeClr val="tx1"/>
+                </a:solidFill>
+                <a:latin typeface="+mn-lt"/>
+                <a:ea typeface="+mn-ea"/>
+                <a:cs typeface="+mn-cs"/>
+              </a:defRPr>
+            </a:lvl4pPr>
+            <a:lvl5pPr marL="2057400" indent="-228600" algn="l" defTabSz="914400" rtl="0" eaLnBrk="1" latinLnBrk="1" hangingPunct="1">
+              <a:spcBef>
+                <a:spcPct val="20000"/>
+              </a:spcBef>
+              <a:buFont typeface="Arial" pitchFamily="34" charset="0"/>
+              <a:buChar char="»"/>
+              <a:defRPr sz="2000" kern="1200">
+                <a:solidFill>
+                  <a:schemeClr val="tx1"/>
+                </a:solidFill>
+                <a:latin typeface="+mn-lt"/>
+                <a:ea typeface="+mn-ea"/>
+                <a:cs typeface="+mn-cs"/>
+              </a:defRPr>
+            </a:lvl5pPr>
+            <a:lvl6pPr marL="2514600" indent="-228600" algn="l" defTabSz="914400" rtl="0" eaLnBrk="1" latinLnBrk="1" hangingPunct="1">
+              <a:spcBef>
+                <a:spcPct val="20000"/>
+              </a:spcBef>
+              <a:buFont typeface="Arial" pitchFamily="34" charset="0"/>
+              <a:buChar char="•"/>
+              <a:defRPr sz="2000" kern="1200">
+                <a:solidFill>
+                  <a:schemeClr val="tx1"/>
+                </a:solidFill>
+                <a:latin typeface="+mn-lt"/>
+                <a:ea typeface="+mn-ea"/>
+                <a:cs typeface="+mn-cs"/>
+              </a:defRPr>
+            </a:lvl6pPr>
+            <a:lvl7pPr marL="2971800" indent="-228600" algn="l" defTabSz="914400" rtl="0" eaLnBrk="1" latinLnBrk="1" hangingPunct="1">
+              <a:spcBef>
+                <a:spcPct val="20000"/>
+              </a:spcBef>
+              <a:buFont typeface="Arial" pitchFamily="34" charset="0"/>
+              <a:buChar char="•"/>
+              <a:defRPr sz="2000" kern="1200">
+                <a:solidFill>
+                  <a:schemeClr val="tx1"/>
+                </a:solidFill>
+                <a:latin typeface="+mn-lt"/>
+                <a:ea typeface="+mn-ea"/>
+                <a:cs typeface="+mn-cs"/>
+              </a:defRPr>
+            </a:lvl7pPr>
+            <a:lvl8pPr marL="3429000" indent="-228600" algn="l" defTabSz="914400" rtl="0" eaLnBrk="1" latinLnBrk="1" hangingPunct="1">
+              <a:spcBef>
+                <a:spcPct val="20000"/>
+              </a:spcBef>
+              <a:buFont typeface="Arial" pitchFamily="34" charset="0"/>
+              <a:buChar char="•"/>
+              <a:defRPr sz="2000" kern="1200">
+                <a:solidFill>
+                  <a:schemeClr val="tx1"/>
+                </a:solidFill>
+                <a:latin typeface="+mn-lt"/>
+                <a:ea typeface="+mn-ea"/>
+                <a:cs typeface="+mn-cs"/>
+              </a:defRPr>
+            </a:lvl8pPr>
+            <a:lvl9pPr marL="3886200" indent="-228600" algn="l" defTabSz="914400" rtl="0" eaLnBrk="1" latinLnBrk="1" hangingPunct="1">
+              <a:spcBef>
+                <a:spcPct val="20000"/>
+              </a:spcBef>
+              <a:buFont typeface="Arial" pitchFamily="34" charset="0"/>
+              <a:buChar char="•"/>
+              <a:defRPr sz="2000" kern="1200">
+                <a:solidFill>
+                  <a:schemeClr val="tx1"/>
+                </a:solidFill>
+                <a:latin typeface="+mn-lt"/>
+                <a:ea typeface="+mn-ea"/>
+                <a:cs typeface="+mn-cs"/>
+              </a:defRPr>
+            </a:lvl9pPr>
+          </a:lstStyle>
+          <a:p>
+            <a:pPr marL="0" indent="0">
+              <a:buNone/>
+            </a:pPr>
+            <a:r>
+              <a:rPr lang="ko-KR" altLang="en-US" sz="1500" b="1" dirty="0">
+                <a:solidFill>
+                  <a:srgbClr val="3D3C3E"/>
+                </a:solidFill>
+                <a:latin typeface="210 옴니고딕 030" panose="02020603020101020101" pitchFamily="18" charset="-127"/>
+                <a:ea typeface="210 옴니고딕 030" panose="02020603020101020101" pitchFamily="18" charset="-127"/>
+              </a:rPr>
+              <a:t> </a:t>
+            </a:r>
+            <a:r>
+              <a:rPr lang="en-US" altLang="ko-KR" sz="1500" b="1" dirty="0">
+                <a:solidFill>
+                  <a:srgbClr val="3D3C3E"/>
+                </a:solidFill>
+                <a:latin typeface="210 옴니고딕 030" panose="02020603020101020101" pitchFamily="18" charset="-127"/>
+                <a:ea typeface="210 옴니고딕 030" panose="02020603020101020101" pitchFamily="18" charset="-127"/>
+              </a:rPr>
+              <a:t>1.1 </a:t>
+            </a:r>
+            <a:r>
+              <a:rPr lang="ko-KR" altLang="en-US" sz="1600" b="1" dirty="0" smtClean="0">
+                <a:latin typeface="210 옴니고딕 030" panose="02020603020101020101" pitchFamily="18" charset="-127"/>
+                <a:ea typeface="210 옴니고딕 030" panose="02020603020101020101" pitchFamily="18" charset="-127"/>
+              </a:rPr>
+              <a:t>용접 실험</a:t>
+            </a:r>
+            <a:endParaRPr lang="ko-KR" altLang="en-US" sz="900" dirty="0">
+              <a:solidFill>
+                <a:srgbClr val="3D3C3E"/>
+              </a:solidFill>
+              <a:latin typeface="210 옴니고딕 030" panose="02020603020101020101" pitchFamily="18" charset="-127"/>
+              <a:ea typeface="210 옴니고딕 030" panose="02020603020101020101" pitchFamily="18" charset="-127"/>
+            </a:endParaRPr>
+          </a:p>
+        </p:txBody>
+      </p:sp>
+      <p:sp>
+        <p:nvSpPr>
+          <p:cNvPr id="27" name="TextBox 26">
+            <a:extLst>
+              <a:ext uri="{FF2B5EF4-FFF2-40B4-BE49-F238E27FC236}">
+                <a16:creationId xmlns:a16="http://schemas.microsoft.com/office/drawing/2014/main" xmlns="" id="{9842D489-1E22-4BAC-A4E7-CB30C20D43FB}"/>
+              </a:ext>
+            </a:extLst>
+          </p:cNvPr>
+          <p:cNvSpPr txBox="1"/>
+          <p:nvPr/>
+        </p:nvSpPr>
+        <p:spPr>
+          <a:xfrm>
+            <a:off x="856231" y="1454878"/>
+            <a:ext cx="7580706" cy="415498"/>
+          </a:xfrm>
+          <a:prstGeom prst="rect">
+            <a:avLst/>
+          </a:prstGeom>
+          <a:noFill/>
+        </p:spPr>
+        <p:txBody>
+          <a:bodyPr wrap="square" rtlCol="0">
+            <a:spAutoFit/>
+          </a:bodyPr>
+          <a:lstStyle/>
+          <a:p>
+            <a:pPr marL="285750" indent="-285750">
+              <a:lnSpc>
+                <a:spcPct val="150000"/>
+              </a:lnSpc>
+              <a:buFont typeface="Arial" panose="020B0604020202020204" pitchFamily="34" charset="0"/>
+              <a:buChar char="•"/>
+            </a:pPr>
+            <a:r>
+              <a:rPr lang="ko-KR" altLang="en-US" sz="1400" b="1" dirty="0" smtClean="0">
+                <a:latin typeface="210 옴니고딕 030" panose="02020603020101020101" pitchFamily="18" charset="-127"/>
+                <a:ea typeface="210 옴니고딕 030" panose="02020603020101020101" pitchFamily="18" charset="-127"/>
+              </a:rPr>
+              <a:t>전류 </a:t>
+            </a:r>
+            <a:r>
+              <a:rPr lang="en-US" altLang="ko-KR" sz="1400" b="1" dirty="0" smtClean="0">
+                <a:latin typeface="210 옴니고딕 030" panose="02020603020101020101" pitchFamily="18" charset="-127"/>
+                <a:ea typeface="210 옴니고딕 030" panose="02020603020101020101" pitchFamily="18" charset="-127"/>
+              </a:rPr>
+              <a:t>– 100A, </a:t>
+            </a:r>
+            <a:r>
+              <a:rPr lang="ko-KR" altLang="en-US" sz="1400" b="1" dirty="0" smtClean="0">
+                <a:latin typeface="210 옴니고딕 030" panose="02020603020101020101" pitchFamily="18" charset="-127"/>
+                <a:ea typeface="210 옴니고딕 030" panose="02020603020101020101" pitchFamily="18" charset="-127"/>
+              </a:rPr>
+              <a:t>전압 </a:t>
+            </a:r>
+            <a:r>
+              <a:rPr lang="en-US" altLang="ko-KR" sz="1400" b="1" dirty="0" smtClean="0">
+                <a:latin typeface="210 옴니고딕 030" panose="02020603020101020101" pitchFamily="18" charset="-127"/>
+                <a:ea typeface="210 옴니고딕 030" panose="02020603020101020101" pitchFamily="18" charset="-127"/>
+              </a:rPr>
+              <a:t>– +2V, </a:t>
+            </a:r>
+            <a:r>
+              <a:rPr lang="ko-KR" altLang="en-US" sz="1400" b="1" dirty="0" smtClean="0">
+                <a:latin typeface="210 옴니고딕 030" panose="02020603020101020101" pitchFamily="18" charset="-127"/>
+                <a:ea typeface="210 옴니고딕 030" panose="02020603020101020101" pitchFamily="18" charset="-127"/>
+              </a:rPr>
+              <a:t>속도 </a:t>
+            </a:r>
+            <a:r>
+              <a:rPr lang="en-US" altLang="ko-KR" sz="1400" b="1" dirty="0" smtClean="0">
+                <a:latin typeface="210 옴니고딕 030" panose="02020603020101020101" pitchFamily="18" charset="-127"/>
+                <a:ea typeface="210 옴니고딕 030" panose="02020603020101020101" pitchFamily="18" charset="-127"/>
+              </a:rPr>
+              <a:t>– 8mm/s , Exposure Time : 35000</a:t>
+            </a:r>
+            <a:endParaRPr lang="en-US" altLang="ko-KR" sz="1400" b="1" dirty="0">
+              <a:latin typeface="210 옴니고딕 030" panose="02020603020101020101" pitchFamily="18" charset="-127"/>
+              <a:ea typeface="210 옴니고딕 030" panose="02020603020101020101" pitchFamily="18" charset="-127"/>
+            </a:endParaRPr>
+          </a:p>
+        </p:txBody>
+      </p:sp>
+      <p:sp>
+        <p:nvSpPr>
+          <p:cNvPr id="29" name="TextBox 28">
+            <a:extLst>
+              <a:ext uri="{FF2B5EF4-FFF2-40B4-BE49-F238E27FC236}">
+                <a16:creationId xmlns:a16="http://schemas.microsoft.com/office/drawing/2014/main" xmlns="" id="{9842D489-1E22-4BAC-A4E7-CB30C20D43FB}"/>
+              </a:ext>
+            </a:extLst>
+          </p:cNvPr>
+          <p:cNvSpPr txBox="1"/>
+          <p:nvPr/>
+        </p:nvSpPr>
+        <p:spPr>
+          <a:xfrm>
+            <a:off x="7593419" y="5491027"/>
+            <a:ext cx="1465209" cy="325089"/>
+          </a:xfrm>
+          <a:prstGeom prst="rect">
+            <a:avLst/>
+          </a:prstGeom>
+          <a:noFill/>
+        </p:spPr>
+        <p:txBody>
+          <a:bodyPr wrap="square" rtlCol="0">
+            <a:spAutoFit/>
+          </a:bodyPr>
+          <a:lstStyle/>
+          <a:p>
+            <a:pPr>
+              <a:lnSpc>
+                <a:spcPct val="150000"/>
+              </a:lnSpc>
+            </a:pPr>
+            <a:r>
+              <a:rPr lang="en-US" altLang="ko-KR" sz="1100" b="1" dirty="0" smtClean="0">
+                <a:latin typeface="210 옴니고딕 030" panose="02020603020101020101" pitchFamily="18" charset="-127"/>
+                <a:ea typeface="210 옴니고딕 030" panose="02020603020101020101" pitchFamily="18" charset="-127"/>
+              </a:rPr>
+              <a:t>(mm)</a:t>
+            </a:r>
+            <a:endParaRPr lang="en-US" altLang="ko-KR" sz="1100" b="1" dirty="0">
+              <a:latin typeface="210 옴니고딕 030" panose="02020603020101020101" pitchFamily="18" charset="-127"/>
+              <a:ea typeface="210 옴니고딕 030" panose="02020603020101020101" pitchFamily="18" charset="-127"/>
+            </a:endParaRPr>
+          </a:p>
+        </p:txBody>
+      </p:sp>
+      <p:pic>
+        <p:nvPicPr>
+          <p:cNvPr id="2" name="KakaoTalk_20211203_010517849">
+            <a:hlinkClick r:id="" action="ppaction://media"/>
+          </p:cNvPr>
+          <p:cNvPicPr>
+            <a:picLocks noChangeAspect="1"/>
+          </p:cNvPicPr>
+          <p:nvPr>
+            <a:videoFile r:link="rId1"/>
+            <p:extLst>
+              <p:ext uri="{DAA4B4D4-6D71-4841-9C94-3DE7FCFB9230}">
+                <p14:media xmlns:p14="http://schemas.microsoft.com/office/powerpoint/2010/main" xmlns="" r:embed="rId5"/>
+              </p:ext>
+            </p:extLst>
+          </p:nvPr>
+        </p:nvPicPr>
+        <p:blipFill>
+          <a:blip r:embed="rId6"/>
+          <a:stretch>
+            <a:fillRect/>
+          </a:stretch>
+        </p:blipFill>
+        <p:spPr>
+          <a:xfrm>
+            <a:off x="2594928" y="2145495"/>
+            <a:ext cx="4382233" cy="3286675"/>
+          </a:xfrm>
+          <a:prstGeom prst="rect">
+            <a:avLst/>
+          </a:prstGeom>
+        </p:spPr>
+      </p:pic>
+    </p:spTree>
+    <p:extLst>
+      <p:ext uri="{BB962C8B-B14F-4D97-AF65-F5344CB8AC3E}">
+        <p14:creationId xmlns:p14="http://schemas.microsoft.com/office/powerpoint/2010/main" xmlns="" val="4170600795"/>
+      </p:ext>
+    </p:extLst>
+  </p:cSld>
+  <p:clrMapOvr>
+    <a:masterClrMapping/>
+  </p:clrMapOvr>
+  <p:transition advTm="750"/>
+  <p:timing>
+    <p:tnLst>
+      <p:par>
+        <p:cTn id="1" dur="indefinite" restart="never" nodeType="tmRoot">
+          <p:childTnLst>
+            <p:seq concurrent="1" nextAc="seek">
+              <p:cTn id="2" restart="whenNotActive" fill="hold" evtFilter="cancelBubble" nodeType="interactiveSeq">
+                <p:stCondLst>
+                  <p:cond evt="onClick" delay="0">
+                    <p:tgtEl>
+                      <p:spTgt spid="2"/>
+                    </p:tgtEl>
+                  </p:cond>
+                </p:stCondLst>
+                <p:endSync evt="end" delay="0">
+                  <p:rtn val="all"/>
+                </p:endSync>
+                <p:childTnLst>
+                  <p:par>
+                    <p:cTn id="3" fill="hold">
+                      <p:stCondLst>
+                        <p:cond delay="0"/>
+                      </p:stCondLst>
+                      <p:childTnLst>
+                        <p:par>
+                          <p:cTn id="4" fill="hold">
+                            <p:stCondLst>
+                              <p:cond delay="0"/>
+                            </p:stCondLst>
+                            <p:childTnLst>
+                              <p:par>
+                                <p:cTn id="5" presetID="2" presetClass="mediacall" presetSubtype="0" fill="hold" nodeType="clickEffect">
+                                  <p:stCondLst>
+                                    <p:cond delay="0"/>
+                                  </p:stCondLst>
+                                  <p:childTnLst>
+                                    <p:cmd type="call" cmd="togglePause">
+                                      <p:cBhvr>
+                                        <p:cTn id="6" dur="1" fill="hold"/>
+                                        <p:tgtEl>
+                                          <p:spTgt spid="2"/>
+                                        </p:tgtEl>
+                                      </p:cBhvr>
+                                    </p:cmd>
+                                  </p:childTnLst>
+                                </p:cTn>
+                              </p:par>
+                            </p:childTnLst>
+                          </p:cTn>
+                        </p:par>
+                      </p:childTnLst>
+                    </p:cTn>
+                  </p:par>
+                </p:childTnLst>
+              </p:cTn>
+              <p:nextCondLst>
+                <p:cond evt="onClick" delay="0">
+                  <p:tgtEl>
+                    <p:spTgt spid="2"/>
+                  </p:tgtEl>
+                </p:cond>
+              </p:nextCondLst>
+            </p:seq>
+            <p:video>
+              <p:cMediaNode vol="80000">
+                <p:cTn id="7" fill="hold" display="0">
+                  <p:stCondLst>
+                    <p:cond delay="indefinite"/>
+                  </p:stCondLst>
+                </p:cTn>
+                <p:tgtEl>
+                  <p:spTgt spid="2"/>
+                </p:tgtEl>
+              </p:cMediaNode>
+            </p:video>
+          </p:childTnLst>
+        </p:cTn>
+      </p:par>
+    </p:tnLst>
+  </p:timing>
+</p:sld>
+</file>
+
+<file path=ppt/slides/slide17.xml><?xml version="1.0" encoding="utf-8"?>
+<p:sld xmlns:a="http://schemas.openxmlformats.org/drawingml/2006/main" xmlns:r="http://schemas.openxmlformats.org/officeDocument/2006/relationships" xmlns:p="http://schemas.openxmlformats.org/presentationml/2006/main">
+  <p:cSld>
+    <p:spTree>
+      <p:nvGrpSpPr>
+        <p:cNvPr id="1" name=""/>
+        <p:cNvGrpSpPr/>
+        <p:nvPr/>
+      </p:nvGrpSpPr>
+      <p:grpSpPr>
+        <a:xfrm>
+          <a:off x="0" y="0"/>
+          <a:ext cx="0" cy="0"/>
+          <a:chOff x="0" y="0"/>
+          <a:chExt cx="0" cy="0"/>
+        </a:xfrm>
+      </p:grpSpPr>
+      <p:cxnSp>
+        <p:nvCxnSpPr>
+          <p:cNvPr id="20" name="직선 연결선 19"/>
+          <p:cNvCxnSpPr>
+            <a:cxnSpLocks/>
+          </p:cNvCxnSpPr>
+          <p:nvPr/>
+        </p:nvCxnSpPr>
+        <p:spPr>
+          <a:xfrm>
+            <a:off x="653903" y="596813"/>
+            <a:ext cx="7783033" cy="0"/>
+          </a:xfrm>
+          <a:prstGeom prst="line">
+            <a:avLst/>
+          </a:prstGeom>
+          <a:ln w="3175">
+            <a:solidFill>
+              <a:schemeClr val="accent4">
+                <a:lumMod val="50000"/>
+              </a:schemeClr>
+            </a:solidFill>
+          </a:ln>
+        </p:spPr>
+        <p:style>
+          <a:lnRef idx="1">
+            <a:schemeClr val="accent1"/>
+          </a:lnRef>
+          <a:fillRef idx="0">
+            <a:schemeClr val="accent1"/>
+          </a:fillRef>
+          <a:effectRef idx="0">
+            <a:schemeClr val="accent1"/>
+          </a:effectRef>
+          <a:fontRef idx="minor">
+            <a:schemeClr val="tx1"/>
+          </a:fontRef>
+        </p:style>
+      </p:cxnSp>
+      <p:sp>
+        <p:nvSpPr>
+          <p:cNvPr id="31" name="제목 1"/>
+          <p:cNvSpPr>
+            <a:spLocks noGrp="1"/>
+          </p:cNvSpPr>
+          <p:nvPr>
+            <p:ph type="title"/>
+          </p:nvPr>
+        </p:nvSpPr>
+        <p:spPr>
+          <a:xfrm>
+            <a:off x="717130" y="711013"/>
+            <a:ext cx="3934755" cy="435695"/>
+          </a:xfrm>
+        </p:spPr>
+        <p:txBody>
+          <a:bodyPr>
+            <a:noAutofit/>
+          </a:bodyPr>
+          <a:lstStyle/>
+          <a:p>
+            <a:pPr algn="l"/>
+            <a:r>
+              <a:rPr lang="en-US" altLang="ko-KR" sz="2100" b="1" spc="-113" dirty="0">
+                <a:solidFill>
+                  <a:schemeClr val="accent4">
+                    <a:lumMod val="50000"/>
+                  </a:schemeClr>
+                </a:solidFill>
+              </a:rPr>
+              <a:t>1. </a:t>
+            </a:r>
+            <a:r>
+              <a:rPr lang="ko-KR" altLang="en-US" sz="2100" b="1" spc="-113" dirty="0">
+                <a:solidFill>
+                  <a:schemeClr val="accent4">
+                    <a:lumMod val="50000"/>
+                  </a:schemeClr>
+                </a:solidFill>
+              </a:rPr>
+              <a:t>이번주 작업</a:t>
+            </a:r>
+          </a:p>
+        </p:txBody>
+      </p:sp>
+      <p:pic>
+        <p:nvPicPr>
+          <p:cNvPr id="22" name="그림 21">
+            <a:extLst>
+              <a:ext uri="{FF2B5EF4-FFF2-40B4-BE49-F238E27FC236}">
+                <a16:creationId xmlns:a16="http://schemas.microsoft.com/office/drawing/2014/main" xmlns="" id="{FCFEE50E-57BA-4DB6-B7EE-66ECDF4A1020}"/>
+              </a:ext>
+            </a:extLst>
+          </p:cNvPr>
+          <p:cNvPicPr>
+            <a:picLocks noChangeAspect="1"/>
+          </p:cNvPicPr>
+          <p:nvPr/>
+        </p:nvPicPr>
+        <p:blipFill>
+          <a:blip r:embed="rId4" cstate="print">
+            <a:extLst>
+              <a:ext uri="{28A0092B-C50C-407E-A947-70E740481C1C}">
+                <a14:useLocalDpi xmlns:a14="http://schemas.microsoft.com/office/drawing/2010/main" xmlns="" val="0"/>
+              </a:ext>
+            </a:extLst>
+          </a:blip>
+          <a:stretch>
+            <a:fillRect/>
+          </a:stretch>
+        </p:blipFill>
+        <p:spPr>
+          <a:xfrm>
+            <a:off x="7269493" y="5647801"/>
+            <a:ext cx="1441048" cy="1141622"/>
+          </a:xfrm>
+          <a:prstGeom prst="rect">
+            <a:avLst/>
+          </a:prstGeom>
+        </p:spPr>
+      </p:pic>
+      <p:sp>
+        <p:nvSpPr>
+          <p:cNvPr id="6" name="내용 개체 틀 2">
+            <a:extLst>
+              <a:ext uri="{FF2B5EF4-FFF2-40B4-BE49-F238E27FC236}">
+                <a16:creationId xmlns:a16="http://schemas.microsoft.com/office/drawing/2014/main" xmlns="" id="{FFC3785C-829D-410F-9E15-1D4D13DDE777}"/>
+              </a:ext>
+            </a:extLst>
+          </p:cNvPr>
+          <p:cNvSpPr txBox="1">
+            <a:spLocks/>
+          </p:cNvSpPr>
+          <p:nvPr/>
+        </p:nvSpPr>
+        <p:spPr>
+          <a:xfrm>
+            <a:off x="717130" y="1153307"/>
+            <a:ext cx="4764683" cy="435695"/>
+          </a:xfrm>
+          <a:prstGeom prst="rect">
+            <a:avLst/>
+          </a:prstGeom>
+        </p:spPr>
+        <p:txBody>
+          <a:bodyPr vert="horz" lIns="68580" tIns="34290" rIns="68580" bIns="34290" rtlCol="0">
+            <a:normAutofit/>
+          </a:bodyPr>
+          <a:lstStyle>
+            <a:lvl1pPr marL="342900" indent="-342900" algn="l" defTabSz="914400" rtl="0" eaLnBrk="1" latinLnBrk="1" hangingPunct="1">
+              <a:spcBef>
+                <a:spcPct val="20000"/>
+              </a:spcBef>
+              <a:buFont typeface="Arial" pitchFamily="34" charset="0"/>
+              <a:buChar char="•"/>
+              <a:defRPr sz="3200" kern="1200">
+                <a:solidFill>
+                  <a:schemeClr val="tx1"/>
+                </a:solidFill>
+                <a:latin typeface="+mn-lt"/>
+                <a:ea typeface="+mn-ea"/>
+                <a:cs typeface="+mn-cs"/>
+              </a:defRPr>
+            </a:lvl1pPr>
+            <a:lvl2pPr marL="742950" indent="-285750" algn="l" defTabSz="914400" rtl="0" eaLnBrk="1" latinLnBrk="1" hangingPunct="1">
+              <a:spcBef>
+                <a:spcPct val="20000"/>
+              </a:spcBef>
+              <a:buFont typeface="Arial" pitchFamily="34" charset="0"/>
+              <a:buChar char="–"/>
+              <a:defRPr sz="2800" kern="1200">
+                <a:solidFill>
+                  <a:schemeClr val="tx1"/>
+                </a:solidFill>
+                <a:latin typeface="+mn-lt"/>
+                <a:ea typeface="+mn-ea"/>
+                <a:cs typeface="+mn-cs"/>
+              </a:defRPr>
+            </a:lvl2pPr>
+            <a:lvl3pPr marL="1143000" indent="-228600" algn="l" defTabSz="914400" rtl="0" eaLnBrk="1" latinLnBrk="1" hangingPunct="1">
+              <a:spcBef>
+                <a:spcPct val="20000"/>
+              </a:spcBef>
+              <a:buFont typeface="Arial" pitchFamily="34" charset="0"/>
+              <a:buChar char="•"/>
+              <a:defRPr sz="2400" kern="1200">
+                <a:solidFill>
+                  <a:schemeClr val="tx1"/>
+                </a:solidFill>
+                <a:latin typeface="+mn-lt"/>
+                <a:ea typeface="+mn-ea"/>
+                <a:cs typeface="+mn-cs"/>
+              </a:defRPr>
+            </a:lvl3pPr>
+            <a:lvl4pPr marL="1600200" indent="-228600" algn="l" defTabSz="914400" rtl="0" eaLnBrk="1" latinLnBrk="1" hangingPunct="1">
+              <a:spcBef>
+                <a:spcPct val="20000"/>
+              </a:spcBef>
+              <a:buFont typeface="Arial" pitchFamily="34" charset="0"/>
+              <a:buChar char="–"/>
+              <a:defRPr sz="2000" kern="1200">
+                <a:solidFill>
+                  <a:schemeClr val="tx1"/>
+                </a:solidFill>
+                <a:latin typeface="+mn-lt"/>
+                <a:ea typeface="+mn-ea"/>
+                <a:cs typeface="+mn-cs"/>
+              </a:defRPr>
+            </a:lvl4pPr>
+            <a:lvl5pPr marL="2057400" indent="-228600" algn="l" defTabSz="914400" rtl="0" eaLnBrk="1" latinLnBrk="1" hangingPunct="1">
+              <a:spcBef>
+                <a:spcPct val="20000"/>
+              </a:spcBef>
+              <a:buFont typeface="Arial" pitchFamily="34" charset="0"/>
+              <a:buChar char="»"/>
+              <a:defRPr sz="2000" kern="1200">
+                <a:solidFill>
+                  <a:schemeClr val="tx1"/>
+                </a:solidFill>
+                <a:latin typeface="+mn-lt"/>
+                <a:ea typeface="+mn-ea"/>
+                <a:cs typeface="+mn-cs"/>
+              </a:defRPr>
+            </a:lvl5pPr>
+            <a:lvl6pPr marL="2514600" indent="-228600" algn="l" defTabSz="914400" rtl="0" eaLnBrk="1" latinLnBrk="1" hangingPunct="1">
+              <a:spcBef>
+                <a:spcPct val="20000"/>
+              </a:spcBef>
+              <a:buFont typeface="Arial" pitchFamily="34" charset="0"/>
+              <a:buChar char="•"/>
+              <a:defRPr sz="2000" kern="1200">
+                <a:solidFill>
+                  <a:schemeClr val="tx1"/>
+                </a:solidFill>
+                <a:latin typeface="+mn-lt"/>
+                <a:ea typeface="+mn-ea"/>
+                <a:cs typeface="+mn-cs"/>
+              </a:defRPr>
+            </a:lvl6pPr>
+            <a:lvl7pPr marL="2971800" indent="-228600" algn="l" defTabSz="914400" rtl="0" eaLnBrk="1" latinLnBrk="1" hangingPunct="1">
+              <a:spcBef>
+                <a:spcPct val="20000"/>
+              </a:spcBef>
+              <a:buFont typeface="Arial" pitchFamily="34" charset="0"/>
+              <a:buChar char="•"/>
+              <a:defRPr sz="2000" kern="1200">
+                <a:solidFill>
+                  <a:schemeClr val="tx1"/>
+                </a:solidFill>
+                <a:latin typeface="+mn-lt"/>
+                <a:ea typeface="+mn-ea"/>
+                <a:cs typeface="+mn-cs"/>
+              </a:defRPr>
+            </a:lvl7pPr>
+            <a:lvl8pPr marL="3429000" indent="-228600" algn="l" defTabSz="914400" rtl="0" eaLnBrk="1" latinLnBrk="1" hangingPunct="1">
+              <a:spcBef>
+                <a:spcPct val="20000"/>
+              </a:spcBef>
+              <a:buFont typeface="Arial" pitchFamily="34" charset="0"/>
+              <a:buChar char="•"/>
+              <a:defRPr sz="2000" kern="1200">
+                <a:solidFill>
+                  <a:schemeClr val="tx1"/>
+                </a:solidFill>
+                <a:latin typeface="+mn-lt"/>
+                <a:ea typeface="+mn-ea"/>
+                <a:cs typeface="+mn-cs"/>
+              </a:defRPr>
+            </a:lvl8pPr>
+            <a:lvl9pPr marL="3886200" indent="-228600" algn="l" defTabSz="914400" rtl="0" eaLnBrk="1" latinLnBrk="1" hangingPunct="1">
+              <a:spcBef>
+                <a:spcPct val="20000"/>
+              </a:spcBef>
+              <a:buFont typeface="Arial" pitchFamily="34" charset="0"/>
+              <a:buChar char="•"/>
+              <a:defRPr sz="2000" kern="1200">
+                <a:solidFill>
+                  <a:schemeClr val="tx1"/>
+                </a:solidFill>
+                <a:latin typeface="+mn-lt"/>
+                <a:ea typeface="+mn-ea"/>
+                <a:cs typeface="+mn-cs"/>
+              </a:defRPr>
+            </a:lvl9pPr>
+          </a:lstStyle>
+          <a:p>
+            <a:pPr marL="0" indent="0">
+              <a:buNone/>
+            </a:pPr>
+            <a:r>
+              <a:rPr lang="ko-KR" altLang="en-US" sz="1500" b="1" dirty="0">
+                <a:solidFill>
+                  <a:srgbClr val="3D3C3E"/>
+                </a:solidFill>
+                <a:latin typeface="210 옴니고딕 030" panose="02020603020101020101" pitchFamily="18" charset="-127"/>
+                <a:ea typeface="210 옴니고딕 030" panose="02020603020101020101" pitchFamily="18" charset="-127"/>
+              </a:rPr>
+              <a:t> </a:t>
+            </a:r>
+            <a:r>
+              <a:rPr lang="en-US" altLang="ko-KR" sz="1500" b="1" dirty="0">
+                <a:solidFill>
+                  <a:srgbClr val="3D3C3E"/>
+                </a:solidFill>
+                <a:latin typeface="210 옴니고딕 030" panose="02020603020101020101" pitchFamily="18" charset="-127"/>
+                <a:ea typeface="210 옴니고딕 030" panose="02020603020101020101" pitchFamily="18" charset="-127"/>
+              </a:rPr>
+              <a:t>1.1 </a:t>
+            </a:r>
+            <a:r>
+              <a:rPr lang="ko-KR" altLang="en-US" sz="1600" b="1" dirty="0" smtClean="0">
+                <a:latin typeface="210 옴니고딕 030" panose="02020603020101020101" pitchFamily="18" charset="-127"/>
+                <a:ea typeface="210 옴니고딕 030" panose="02020603020101020101" pitchFamily="18" charset="-127"/>
+              </a:rPr>
+              <a:t>용접 실험</a:t>
+            </a:r>
+            <a:endParaRPr lang="ko-KR" altLang="en-US" sz="900" dirty="0">
+              <a:solidFill>
+                <a:srgbClr val="3D3C3E"/>
+              </a:solidFill>
+              <a:latin typeface="210 옴니고딕 030" panose="02020603020101020101" pitchFamily="18" charset="-127"/>
+              <a:ea typeface="210 옴니고딕 030" panose="02020603020101020101" pitchFamily="18" charset="-127"/>
+            </a:endParaRPr>
+          </a:p>
+        </p:txBody>
+      </p:sp>
+      <p:sp>
+        <p:nvSpPr>
+          <p:cNvPr id="27" name="TextBox 26">
+            <a:extLst>
+              <a:ext uri="{FF2B5EF4-FFF2-40B4-BE49-F238E27FC236}">
+                <a16:creationId xmlns:a16="http://schemas.microsoft.com/office/drawing/2014/main" xmlns="" id="{9842D489-1E22-4BAC-A4E7-CB30C20D43FB}"/>
+              </a:ext>
+            </a:extLst>
+          </p:cNvPr>
+          <p:cNvSpPr txBox="1"/>
+          <p:nvPr/>
+        </p:nvSpPr>
+        <p:spPr>
+          <a:xfrm>
+            <a:off x="856231" y="1454878"/>
+            <a:ext cx="7580706" cy="415498"/>
+          </a:xfrm>
+          <a:prstGeom prst="rect">
+            <a:avLst/>
+          </a:prstGeom>
+          <a:noFill/>
+        </p:spPr>
+        <p:txBody>
+          <a:bodyPr wrap="square" rtlCol="0">
+            <a:spAutoFit/>
+          </a:bodyPr>
+          <a:lstStyle/>
+          <a:p>
+            <a:pPr marL="285750" indent="-285750">
+              <a:lnSpc>
+                <a:spcPct val="150000"/>
+              </a:lnSpc>
+              <a:buFont typeface="Arial" panose="020B0604020202020204" pitchFamily="34" charset="0"/>
+              <a:buChar char="•"/>
+            </a:pPr>
+            <a:r>
+              <a:rPr lang="ko-KR" altLang="en-US" sz="1400" b="1" dirty="0" smtClean="0">
+                <a:latin typeface="210 옴니고딕 030" panose="02020603020101020101" pitchFamily="18" charset="-127"/>
+                <a:ea typeface="210 옴니고딕 030" panose="02020603020101020101" pitchFamily="18" charset="-127"/>
+              </a:rPr>
+              <a:t>전류 </a:t>
+            </a:r>
+            <a:r>
+              <a:rPr lang="en-US" altLang="ko-KR" sz="1400" b="1" dirty="0" smtClean="0">
+                <a:latin typeface="210 옴니고딕 030" panose="02020603020101020101" pitchFamily="18" charset="-127"/>
+                <a:ea typeface="210 옴니고딕 030" panose="02020603020101020101" pitchFamily="18" charset="-127"/>
+              </a:rPr>
+              <a:t>– 100A, </a:t>
+            </a:r>
+            <a:r>
+              <a:rPr lang="ko-KR" altLang="en-US" sz="1400" b="1" dirty="0" smtClean="0">
+                <a:latin typeface="210 옴니고딕 030" panose="02020603020101020101" pitchFamily="18" charset="-127"/>
+                <a:ea typeface="210 옴니고딕 030" panose="02020603020101020101" pitchFamily="18" charset="-127"/>
+              </a:rPr>
+              <a:t>전압 </a:t>
+            </a:r>
+            <a:r>
+              <a:rPr lang="en-US" altLang="ko-KR" sz="1400" b="1" dirty="0" smtClean="0">
+                <a:latin typeface="210 옴니고딕 030" panose="02020603020101020101" pitchFamily="18" charset="-127"/>
+                <a:ea typeface="210 옴니고딕 030" panose="02020603020101020101" pitchFamily="18" charset="-127"/>
+              </a:rPr>
+              <a:t>– +2V, </a:t>
+            </a:r>
+            <a:r>
+              <a:rPr lang="ko-KR" altLang="en-US" sz="1400" b="1" dirty="0" smtClean="0">
+                <a:latin typeface="210 옴니고딕 030" panose="02020603020101020101" pitchFamily="18" charset="-127"/>
+                <a:ea typeface="210 옴니고딕 030" panose="02020603020101020101" pitchFamily="18" charset="-127"/>
+              </a:rPr>
+              <a:t>속도 </a:t>
+            </a:r>
+            <a:r>
+              <a:rPr lang="en-US" altLang="ko-KR" sz="1400" b="1" dirty="0" smtClean="0">
+                <a:latin typeface="210 옴니고딕 030" panose="02020603020101020101" pitchFamily="18" charset="-127"/>
+                <a:ea typeface="210 옴니고딕 030" panose="02020603020101020101" pitchFamily="18" charset="-127"/>
+              </a:rPr>
+              <a:t>– 8mm/s , Exposure Time : 350</a:t>
+            </a:r>
+            <a:endParaRPr lang="en-US" altLang="ko-KR" sz="1400" b="1" dirty="0">
+              <a:latin typeface="210 옴니고딕 030" panose="02020603020101020101" pitchFamily="18" charset="-127"/>
+              <a:ea typeface="210 옴니고딕 030" panose="02020603020101020101" pitchFamily="18" charset="-127"/>
+            </a:endParaRPr>
+          </a:p>
+        </p:txBody>
+      </p:sp>
+      <p:sp>
+        <p:nvSpPr>
+          <p:cNvPr id="29" name="TextBox 28">
+            <a:extLst>
+              <a:ext uri="{FF2B5EF4-FFF2-40B4-BE49-F238E27FC236}">
+                <a16:creationId xmlns:a16="http://schemas.microsoft.com/office/drawing/2014/main" xmlns="" id="{9842D489-1E22-4BAC-A4E7-CB30C20D43FB}"/>
+              </a:ext>
+            </a:extLst>
+          </p:cNvPr>
+          <p:cNvSpPr txBox="1"/>
+          <p:nvPr/>
+        </p:nvSpPr>
+        <p:spPr>
+          <a:xfrm>
+            <a:off x="7593419" y="5491027"/>
+            <a:ext cx="1465209" cy="325089"/>
+          </a:xfrm>
+          <a:prstGeom prst="rect">
+            <a:avLst/>
+          </a:prstGeom>
+          <a:noFill/>
+        </p:spPr>
+        <p:txBody>
+          <a:bodyPr wrap="square" rtlCol="0">
+            <a:spAutoFit/>
+          </a:bodyPr>
+          <a:lstStyle/>
+          <a:p>
+            <a:pPr>
+              <a:lnSpc>
+                <a:spcPct val="150000"/>
+              </a:lnSpc>
+            </a:pPr>
+            <a:r>
+              <a:rPr lang="en-US" altLang="ko-KR" sz="1100" b="1" dirty="0" smtClean="0">
+                <a:latin typeface="210 옴니고딕 030" panose="02020603020101020101" pitchFamily="18" charset="-127"/>
+                <a:ea typeface="210 옴니고딕 030" panose="02020603020101020101" pitchFamily="18" charset="-127"/>
+              </a:rPr>
+              <a:t>(mm)</a:t>
+            </a:r>
+            <a:endParaRPr lang="en-US" altLang="ko-KR" sz="1100" b="1" dirty="0">
+              <a:latin typeface="210 옴니고딕 030" panose="02020603020101020101" pitchFamily="18" charset="-127"/>
+              <a:ea typeface="210 옴니고딕 030" panose="02020603020101020101" pitchFamily="18" charset="-127"/>
+            </a:endParaRPr>
+          </a:p>
+        </p:txBody>
+      </p:sp>
+      <p:pic>
+        <p:nvPicPr>
+          <p:cNvPr id="3" name="KakaoTalk_20211203_010507810">
+            <a:hlinkClick r:id="" action="ppaction://media"/>
+          </p:cNvPr>
+          <p:cNvPicPr>
+            <a:picLocks noChangeAspect="1"/>
+          </p:cNvPicPr>
+          <p:nvPr>
+            <a:videoFile r:link="rId1"/>
+            <p:extLst>
+              <p:ext uri="{DAA4B4D4-6D71-4841-9C94-3DE7FCFB9230}">
+                <p14:media xmlns:p14="http://schemas.microsoft.com/office/powerpoint/2010/main" xmlns="" r:embed="rId5"/>
+              </p:ext>
+            </p:extLst>
+          </p:nvPr>
+        </p:nvPicPr>
+        <p:blipFill>
+          <a:blip r:embed="rId6"/>
+          <a:stretch>
+            <a:fillRect/>
+          </a:stretch>
+        </p:blipFill>
+        <p:spPr>
+          <a:xfrm>
+            <a:off x="2684507" y="2226026"/>
+            <a:ext cx="3879135" cy="2909351"/>
+          </a:xfrm>
+          <a:prstGeom prst="rect">
+            <a:avLst/>
+          </a:prstGeom>
+        </p:spPr>
+      </p:pic>
+    </p:spTree>
+    <p:extLst>
+      <p:ext uri="{BB962C8B-B14F-4D97-AF65-F5344CB8AC3E}">
+        <p14:creationId xmlns:p14="http://schemas.microsoft.com/office/powerpoint/2010/main" xmlns="" val="2060078966"/>
+      </p:ext>
+    </p:extLst>
+  </p:cSld>
+  <p:clrMapOvr>
+    <a:masterClrMapping/>
+  </p:clrMapOvr>
+  <p:transition advTm="718"/>
+  <p:timing>
+    <p:tnLst>
+      <p:par>
+        <p:cTn id="1" dur="indefinite" restart="never" nodeType="tmRoot">
+          <p:childTnLst>
+            <p:seq concurrent="1" nextAc="seek">
+              <p:cTn id="2" restart="whenNotActive" fill="hold" evtFilter="cancelBubble" nodeType="interactiveSeq">
+                <p:stCondLst>
+                  <p:cond evt="onClick" delay="0">
+                    <p:tgtEl>
+                      <p:spTgt spid="3"/>
+                    </p:tgtEl>
+                  </p:cond>
+                </p:stCondLst>
+                <p:endSync evt="end" delay="0">
+                  <p:rtn val="all"/>
+                </p:endSync>
+                <p:childTnLst>
+                  <p:par>
+                    <p:cTn id="3" fill="hold">
+                      <p:stCondLst>
+                        <p:cond delay="0"/>
+                      </p:stCondLst>
+                      <p:childTnLst>
+                        <p:par>
+                          <p:cTn id="4" fill="hold">
+                            <p:stCondLst>
+                              <p:cond delay="0"/>
+                            </p:stCondLst>
+                            <p:childTnLst>
+                              <p:par>
+                                <p:cTn id="5" presetID="2" presetClass="mediacall" presetSubtype="0" fill="hold" nodeType="clickEffect">
+                                  <p:stCondLst>
+                                    <p:cond delay="0"/>
+                                  </p:stCondLst>
+                                  <p:childTnLst>
+                                    <p:cmd type="call" cmd="togglePause">
+                                      <p:cBhvr>
+                                        <p:cTn id="6" dur="1" fill="hold"/>
+                                        <p:tgtEl>
+                                          <p:spTgt spid="3"/>
+                                        </p:tgtEl>
+                                      </p:cBhvr>
+                                    </p:cmd>
+                                  </p:childTnLst>
+                                </p:cTn>
+                              </p:par>
+                            </p:childTnLst>
+                          </p:cTn>
+                        </p:par>
+                      </p:childTnLst>
+                    </p:cTn>
+                  </p:par>
+                </p:childTnLst>
+              </p:cTn>
+              <p:nextCondLst>
+                <p:cond evt="onClick" delay="0">
+                  <p:tgtEl>
+                    <p:spTgt spid="3"/>
+                  </p:tgtEl>
+                </p:cond>
+              </p:nextCondLst>
+            </p:seq>
+            <p:video>
+              <p:cMediaNode vol="80000">
+                <p:cTn id="7" fill="hold" display="0">
+                  <p:stCondLst>
+                    <p:cond delay="indefinite"/>
+                  </p:stCondLst>
+                </p:cTn>
+                <p:tgtEl>
+                  <p:spTgt spid="3"/>
+                </p:tgtEl>
+              </p:cMediaNode>
+            </p:video>
+          </p:childTnLst>
+        </p:cTn>
+      </p:par>
+    </p:tnLst>
+  </p:timing>
+</p:sld>
+</file>
+
+<file path=ppt/slides/slide18.xml><?xml version="1.0" encoding="utf-8"?>
 <p:sld xmlns:a="http://schemas.openxmlformats.org/drawingml/2006/main" xmlns:r="http://schemas.openxmlformats.org/officeDocument/2006/relationships" xmlns:p="http://schemas.openxmlformats.org/presentationml/2006/main">
   <p:cSld>
     <p:spTree>
@@ -12118,6 +13456,7 @@
   <p:clrMapOvr>
     <a:masterClrMapping/>
   </p:clrMapOvr>
+  <p:transition advTm="594"/>
   <p:timing>
     <p:tnLst>
       <p:par>
@@ -12128,7 +13467,7 @@
 </p:sld>
 </file>
 
-<file path=ppt/slides/slide17.xml><?xml version="1.0" encoding="utf-8"?>
+<file path=ppt/slides/slide19.xml><?xml version="1.0" encoding="utf-8"?>
 <p:sld xmlns:a="http://schemas.openxmlformats.org/drawingml/2006/main" xmlns:r="http://schemas.openxmlformats.org/officeDocument/2006/relationships" xmlns:p="http://schemas.openxmlformats.org/presentationml/2006/main">
   <p:cSld>
     <p:spTree>
@@ -12808,6 +14147,7 @@
   <p:clrMapOvr>
     <a:masterClrMapping/>
   </p:clrMapOvr>
+  <p:transition advTm="1016"/>
   <p:timing>
     <p:tnLst>
       <p:par>
@@ -12818,7 +14158,322 @@
 </p:sld>
 </file>
 
-<file path=ppt/slides/slide18.xml><?xml version="1.0" encoding="utf-8"?>
+<file path=ppt/slides/slide2.xml><?xml version="1.0" encoding="utf-8"?>
+<p:sld xmlns:a="http://schemas.openxmlformats.org/drawingml/2006/main" xmlns:r="http://schemas.openxmlformats.org/officeDocument/2006/relationships" xmlns:p="http://schemas.openxmlformats.org/presentationml/2006/main">
+  <p:cSld>
+    <p:spTree>
+      <p:nvGrpSpPr>
+        <p:cNvPr id="1" name=""/>
+        <p:cNvGrpSpPr/>
+        <p:nvPr/>
+      </p:nvGrpSpPr>
+      <p:grpSpPr>
+        <a:xfrm>
+          <a:off x="0" y="0"/>
+          <a:ext cx="0" cy="0"/>
+          <a:chOff x="0" y="0"/>
+          <a:chExt cx="0" cy="0"/>
+        </a:xfrm>
+      </p:grpSpPr>
+      <p:grpSp>
+        <p:nvGrpSpPr>
+          <p:cNvPr id="2" name="그룹 1"/>
+          <p:cNvGrpSpPr/>
+          <p:nvPr/>
+        </p:nvGrpSpPr>
+        <p:grpSpPr>
+          <a:xfrm>
+            <a:off x="1186945" y="2500308"/>
+            <a:ext cx="6770111" cy="1389947"/>
+            <a:chOff x="2362014" y="1484405"/>
+            <a:chExt cx="7225457" cy="1853263"/>
+          </a:xfrm>
+        </p:grpSpPr>
+        <p:sp>
+          <p:nvSpPr>
+            <p:cNvPr id="9" name="TextBox 8"/>
+            <p:cNvSpPr txBox="1"/>
+            <p:nvPr/>
+          </p:nvSpPr>
+          <p:spPr>
+            <a:xfrm>
+              <a:off x="2362014" y="2385100"/>
+              <a:ext cx="7225457" cy="952568"/>
+            </a:xfrm>
+            <a:prstGeom prst="rect">
+              <a:avLst/>
+            </a:prstGeom>
+            <a:noFill/>
+          </p:spPr>
+          <p:txBody>
+            <a:bodyPr wrap="square">
+              <a:spAutoFit/>
+            </a:bodyPr>
+            <a:lstStyle/>
+            <a:p>
+              <a:pPr algn="ctr">
+                <a:lnSpc>
+                  <a:spcPct val="130000"/>
+                </a:lnSpc>
+                <a:defRPr/>
+              </a:pPr>
+              <a:r>
+                <a:rPr lang="ko-KR" altLang="en-US" sz="3300" b="1" dirty="0">
+                  <a:ln w="9525">
+                    <a:solidFill>
+                      <a:schemeClr val="tx1">
+                        <a:alpha val="30000"/>
+                      </a:schemeClr>
+                    </a:solidFill>
+                  </a:ln>
+                  <a:latin typeface="210 옴니고딕 030" panose="02020603020101020101" pitchFamily="18" charset="-127"/>
+                  <a:ea typeface="210 옴니고딕 030" panose="02020603020101020101" pitchFamily="18" charset="-127"/>
+                  <a:cs typeface="+mj-cs"/>
+                </a:rPr>
+                <a:t>용접 자동화</a:t>
+              </a:r>
+              <a:endParaRPr lang="ko-KR" altLang="en-US" sz="2400" dirty="0">
+                <a:ln w="9525">
+                  <a:solidFill>
+                    <a:schemeClr val="tx1">
+                      <a:alpha val="30000"/>
+                    </a:schemeClr>
+                  </a:solidFill>
+                </a:ln>
+                <a:latin typeface="210 옴니고딕 030" panose="02020603020101020101" pitchFamily="18" charset="-127"/>
+                <a:ea typeface="210 옴니고딕 030" panose="02020603020101020101" pitchFamily="18" charset="-127"/>
+                <a:cs typeface="+mj-cs"/>
+              </a:endParaRPr>
+            </a:p>
+          </p:txBody>
+        </p:sp>
+        <p:sp>
+          <p:nvSpPr>
+            <p:cNvPr id="14" name="TextBox 13"/>
+            <p:cNvSpPr txBox="1"/>
+            <p:nvPr/>
+          </p:nvSpPr>
+          <p:spPr>
+            <a:xfrm>
+              <a:off x="4337107" y="1484405"/>
+              <a:ext cx="3275272" cy="338555"/>
+            </a:xfrm>
+            <a:prstGeom prst="rect">
+              <a:avLst/>
+            </a:prstGeom>
+            <a:noFill/>
+          </p:spPr>
+          <p:txBody>
+            <a:bodyPr wrap="square">
+              <a:spAutoFit/>
+            </a:bodyPr>
+            <a:lstStyle/>
+            <a:p>
+              <a:pPr algn="ctr">
+                <a:defRPr/>
+              </a:pPr>
+              <a:r>
+                <a:rPr lang="en-US" altLang="ko-KR" sz="1050" dirty="0">
+                  <a:ln w="9525">
+                    <a:solidFill>
+                      <a:schemeClr val="tx1">
+                        <a:alpha val="10000"/>
+                      </a:schemeClr>
+                    </a:solidFill>
+                  </a:ln>
+                  <a:latin typeface="210 옴니고딕 030" panose="02020603020101020101" pitchFamily="18" charset="-127"/>
+                  <a:ea typeface="210 옴니고딕 030" panose="02020603020101020101" pitchFamily="18" charset="-127"/>
+                  <a:cs typeface="+mj-cs"/>
+                </a:rPr>
+                <a:t>2021 CAI Lab Meeting</a:t>
+              </a:r>
+              <a:endParaRPr lang="en-US" altLang="ko-KR" sz="1050" dirty="0">
+                <a:latin typeface="210 옴니고딕 030" panose="02020603020101020101" pitchFamily="18" charset="-127"/>
+                <a:ea typeface="210 옴니고딕 030" panose="02020603020101020101" pitchFamily="18" charset="-127"/>
+                <a:cs typeface="+mj-cs"/>
+              </a:endParaRPr>
+            </a:p>
+          </p:txBody>
+        </p:sp>
+        <p:grpSp>
+          <p:nvGrpSpPr>
+            <p:cNvPr id="25" name="그룹 24"/>
+            <p:cNvGrpSpPr/>
+            <p:nvPr/>
+          </p:nvGrpSpPr>
+          <p:grpSpPr>
+            <a:xfrm>
+              <a:off x="4337109" y="1769323"/>
+              <a:ext cx="3275272" cy="48144"/>
+              <a:chOff x="4337108" y="1769323"/>
+              <a:chExt cx="3275272" cy="48144"/>
+            </a:xfrm>
+          </p:grpSpPr>
+          <p:cxnSp>
+            <p:nvCxnSpPr>
+              <p:cNvPr id="5" name="직선 연결선 4"/>
+              <p:cNvCxnSpPr/>
+              <p:nvPr/>
+            </p:nvCxnSpPr>
+            <p:spPr>
+              <a:xfrm>
+                <a:off x="4337108" y="1817467"/>
+                <a:ext cx="3275272" cy="0"/>
+              </a:xfrm>
+              <a:prstGeom prst="line">
+                <a:avLst/>
+              </a:prstGeom>
+              <a:solidFill>
+                <a:schemeClr val="accent1">
+                  <a:lumMod val="50000"/>
+                  <a:alpha val="70000"/>
+                </a:schemeClr>
+              </a:solidFill>
+              <a:ln w="38100">
+                <a:solidFill>
+                  <a:schemeClr val="tx1"/>
+                </a:solidFill>
+              </a:ln>
+            </p:spPr>
+            <p:style>
+              <a:lnRef idx="1">
+                <a:schemeClr val="accent1"/>
+              </a:lnRef>
+              <a:fillRef idx="0">
+                <a:schemeClr val="accent1"/>
+              </a:fillRef>
+              <a:effectRef idx="0">
+                <a:schemeClr val="accent1"/>
+              </a:effectRef>
+              <a:fontRef idx="minor">
+                <a:schemeClr val="tx1"/>
+              </a:fontRef>
+            </p:style>
+          </p:cxnSp>
+          <p:sp>
+            <p:nvSpPr>
+              <p:cNvPr id="7" name="직사각형 6"/>
+              <p:cNvSpPr/>
+              <p:nvPr/>
+            </p:nvSpPr>
+            <p:spPr>
+              <a:xfrm>
+                <a:off x="4342384" y="1769323"/>
+                <a:ext cx="633711" cy="45719"/>
+              </a:xfrm>
+              <a:prstGeom prst="rect">
+                <a:avLst/>
+              </a:prstGeom>
+              <a:solidFill>
+                <a:schemeClr val="tx1"/>
+              </a:solidFill>
+              <a:ln>
+                <a:solidFill>
+                  <a:schemeClr val="tx1"/>
+                </a:solidFill>
+              </a:ln>
+            </p:spPr>
+            <p:style>
+              <a:lnRef idx="2">
+                <a:schemeClr val="accent1">
+                  <a:shade val="50000"/>
+                </a:schemeClr>
+              </a:lnRef>
+              <a:fillRef idx="1">
+                <a:schemeClr val="accent1"/>
+              </a:fillRef>
+              <a:effectRef idx="0">
+                <a:schemeClr val="accent1"/>
+              </a:effectRef>
+              <a:fontRef idx="minor">
+                <a:schemeClr val="lt1"/>
+              </a:fontRef>
+            </p:style>
+            <p:txBody>
+              <a:bodyPr anchor="ctr"/>
+              <a:lstStyle/>
+              <a:p>
+                <a:pPr algn="ctr">
+                  <a:defRPr/>
+                </a:pPr>
+                <a:endParaRPr lang="ko-KR" altLang="en-US" sz="1500">
+                  <a:latin typeface="+mj-lt"/>
+                </a:endParaRPr>
+              </a:p>
+            </p:txBody>
+          </p:sp>
+        </p:grpSp>
+      </p:grpSp>
+      <p:pic>
+        <p:nvPicPr>
+          <p:cNvPr id="11" name="그림 10"/>
+          <p:cNvPicPr>
+            <a:picLocks noChangeAspect="1"/>
+          </p:cNvPicPr>
+          <p:nvPr/>
+        </p:nvPicPr>
+        <p:blipFill rotWithShape="1">
+          <a:blip r:embed="rId3"/>
+          <a:stretch>
+            <a:fillRect/>
+          </a:stretch>
+        </p:blipFill>
+        <p:spPr>
+          <a:xfrm>
+            <a:off x="5743183" y="5266733"/>
+            <a:ext cx="3136353" cy="1522163"/>
+          </a:xfrm>
+          <a:prstGeom prst="rect">
+            <a:avLst/>
+          </a:prstGeom>
+        </p:spPr>
+      </p:pic>
+      <p:sp>
+        <p:nvSpPr>
+          <p:cNvPr id="4" name="슬라이드 번호 개체 틀 3"/>
+          <p:cNvSpPr>
+            <a:spLocks noGrp="1"/>
+          </p:cNvSpPr>
+          <p:nvPr>
+            <p:ph type="sldNum" sz="quarter" idx="12"/>
+          </p:nvPr>
+        </p:nvSpPr>
+        <p:spPr/>
+        <p:txBody>
+          <a:bodyPr/>
+          <a:lstStyle/>
+          <a:p>
+            <a:pPr lvl="0">
+              <a:defRPr/>
+            </a:pPr>
+            <a:fld id="{97D217C8-C1B9-4E84-BCEB-D9195FCD889E}" type="slidenum">
+              <a:rPr lang="en-US" altLang="en-US"/>
+              <a:pPr lvl="0">
+                <a:defRPr/>
+              </a:pPr>
+              <a:t>2</a:t>
+            </a:fld>
+            <a:endParaRPr lang="en-US" altLang="en-US"/>
+          </a:p>
+        </p:txBody>
+      </p:sp>
+    </p:spTree>
+  </p:cSld>
+  <p:clrMapOvr>
+    <a:masterClrMapping/>
+  </p:clrMapOvr>
+  <p:transition advTm="125"/>
+  <p:timing>
+    <p:tnLst>
+      <p:par>
+        <p:cTn id="1" dur="indefinite" restart="never" nodeType="tmRoot"/>
+      </p:par>
+    </p:tnLst>
+  </p:timing>
+</p:sld>
+</file>
+
+<file path=ppt/slides/slide20.xml><?xml version="1.0" encoding="utf-8"?>
 <p:sld xmlns:a="http://schemas.openxmlformats.org/drawingml/2006/main" xmlns:r="http://schemas.openxmlformats.org/officeDocument/2006/relationships" xmlns:p="http://schemas.openxmlformats.org/presentationml/2006/main">
   <p:cSld>
     <p:spTree>
@@ -13164,7 +14819,7 @@
             <a:fld id="{97D217C8-C1B9-4E84-BCEB-D9195FCD889E}" type="slidenum">
               <a:rPr lang="ko-KR" altLang="en-US" smtClean="0"/>
               <a:pPr/>
-              <a:t>18</a:t>
+              <a:t>20</a:t>
             </a:fld>
             <a:endParaRPr lang="ko-KR" altLang="en-US"/>
           </a:p>
@@ -13180,11 +14835,18 @@
   <p:clrMapOvr>
     <a:masterClrMapping/>
   </p:clrMapOvr>
-  <p:transition advTm="297"/>
+  <p:transition advTm="0"/>
+  <p:timing>
+    <p:tnLst>
+      <p:par>
+        <p:cTn id="1" dur="indefinite" restart="never" nodeType="tmRoot"/>
+      </p:par>
+    </p:tnLst>
+  </p:timing>
 </p:sld>
 </file>
 
-<file path=ppt/slides/slide19.xml><?xml version="1.0" encoding="utf-8"?>
+<file path=ppt/slides/slide21.xml><?xml version="1.0" encoding="utf-8"?>
 <p:sld xmlns:a="http://schemas.openxmlformats.org/drawingml/2006/main" xmlns:r="http://schemas.openxmlformats.org/officeDocument/2006/relationships" xmlns:p="http://schemas.openxmlformats.org/presentationml/2006/main">
   <p:cSld>
     <p:spTree>
@@ -14410,326 +16072,18 @@
   <p:clrMapOvr>
     <a:masterClrMapping/>
   </p:clrMapOvr>
-  <p:transition advTm="13313"/>
+  <p:transition advTm="31562"/>
+  <p:timing>
+    <p:tnLst>
+      <p:par>
+        <p:cTn id="1" dur="indefinite" restart="never" nodeType="tmRoot"/>
+      </p:par>
+    </p:tnLst>
+  </p:timing>
 </p:sld>
 </file>
 
-<file path=ppt/slides/slide2.xml><?xml version="1.0" encoding="utf-8"?>
-<p:sld xmlns:a="http://schemas.openxmlformats.org/drawingml/2006/main" xmlns:r="http://schemas.openxmlformats.org/officeDocument/2006/relationships" xmlns:p="http://schemas.openxmlformats.org/presentationml/2006/main">
-  <p:cSld>
-    <p:spTree>
-      <p:nvGrpSpPr>
-        <p:cNvPr id="1" name=""/>
-        <p:cNvGrpSpPr/>
-        <p:nvPr/>
-      </p:nvGrpSpPr>
-      <p:grpSpPr>
-        <a:xfrm>
-          <a:off x="0" y="0"/>
-          <a:ext cx="0" cy="0"/>
-          <a:chOff x="0" y="0"/>
-          <a:chExt cx="0" cy="0"/>
-        </a:xfrm>
-      </p:grpSpPr>
-      <p:grpSp>
-        <p:nvGrpSpPr>
-          <p:cNvPr id="2" name="그룹 1"/>
-          <p:cNvGrpSpPr/>
-          <p:nvPr/>
-        </p:nvGrpSpPr>
-        <p:grpSpPr>
-          <a:xfrm>
-            <a:off x="1186945" y="2500308"/>
-            <a:ext cx="6770111" cy="1389947"/>
-            <a:chOff x="2362014" y="1484405"/>
-            <a:chExt cx="7225457" cy="1853263"/>
-          </a:xfrm>
-        </p:grpSpPr>
-        <p:sp>
-          <p:nvSpPr>
-            <p:cNvPr id="9" name="TextBox 8"/>
-            <p:cNvSpPr txBox="1"/>
-            <p:nvPr/>
-          </p:nvSpPr>
-          <p:spPr>
-            <a:xfrm>
-              <a:off x="2362014" y="2385100"/>
-              <a:ext cx="7225457" cy="952568"/>
-            </a:xfrm>
-            <a:prstGeom prst="rect">
-              <a:avLst/>
-            </a:prstGeom>
-            <a:noFill/>
-          </p:spPr>
-          <p:txBody>
-            <a:bodyPr wrap="square">
-              <a:spAutoFit/>
-            </a:bodyPr>
-            <a:lstStyle/>
-            <a:p>
-              <a:pPr algn="ctr">
-                <a:lnSpc>
-                  <a:spcPct val="130000"/>
-                </a:lnSpc>
-                <a:defRPr/>
-              </a:pPr>
-              <a:r>
-                <a:rPr lang="ko-KR" altLang="en-US" sz="3300" b="1" dirty="0">
-                  <a:ln w="9525">
-                    <a:solidFill>
-                      <a:schemeClr val="tx1">
-                        <a:alpha val="30000"/>
-                      </a:schemeClr>
-                    </a:solidFill>
-                  </a:ln>
-                  <a:latin typeface="210 옴니고딕 030" panose="02020603020101020101" pitchFamily="18" charset="-127"/>
-                  <a:ea typeface="210 옴니고딕 030" panose="02020603020101020101" pitchFamily="18" charset="-127"/>
-                  <a:cs typeface="+mj-cs"/>
-                </a:rPr>
-                <a:t>용접 자동화</a:t>
-              </a:r>
-              <a:endParaRPr lang="ko-KR" altLang="en-US" sz="2400" dirty="0">
-                <a:ln w="9525">
-                  <a:solidFill>
-                    <a:schemeClr val="tx1">
-                      <a:alpha val="30000"/>
-                    </a:schemeClr>
-                  </a:solidFill>
-                </a:ln>
-                <a:latin typeface="210 옴니고딕 030" panose="02020603020101020101" pitchFamily="18" charset="-127"/>
-                <a:ea typeface="210 옴니고딕 030" panose="02020603020101020101" pitchFamily="18" charset="-127"/>
-                <a:cs typeface="+mj-cs"/>
-              </a:endParaRPr>
-            </a:p>
-          </p:txBody>
-        </p:sp>
-        <p:sp>
-          <p:nvSpPr>
-            <p:cNvPr id="14" name="TextBox 13"/>
-            <p:cNvSpPr txBox="1"/>
-            <p:nvPr/>
-          </p:nvSpPr>
-          <p:spPr>
-            <a:xfrm>
-              <a:off x="4337107" y="1484405"/>
-              <a:ext cx="3275272" cy="338555"/>
-            </a:xfrm>
-            <a:prstGeom prst="rect">
-              <a:avLst/>
-            </a:prstGeom>
-            <a:noFill/>
-          </p:spPr>
-          <p:txBody>
-            <a:bodyPr wrap="square">
-              <a:spAutoFit/>
-            </a:bodyPr>
-            <a:lstStyle/>
-            <a:p>
-              <a:pPr algn="ctr">
-                <a:defRPr/>
-              </a:pPr>
-              <a:r>
-                <a:rPr lang="en-US" altLang="ko-KR" sz="1050" dirty="0">
-                  <a:ln w="9525">
-                    <a:solidFill>
-                      <a:schemeClr val="tx1">
-                        <a:alpha val="10000"/>
-                      </a:schemeClr>
-                    </a:solidFill>
-                  </a:ln>
-                  <a:latin typeface="210 옴니고딕 030" panose="02020603020101020101" pitchFamily="18" charset="-127"/>
-                  <a:ea typeface="210 옴니고딕 030" panose="02020603020101020101" pitchFamily="18" charset="-127"/>
-                  <a:cs typeface="+mj-cs"/>
-                </a:rPr>
-                <a:t>2021 CAI Lab Meeting</a:t>
-              </a:r>
-              <a:endParaRPr lang="en-US" altLang="ko-KR" sz="1050" dirty="0">
-                <a:latin typeface="210 옴니고딕 030" panose="02020603020101020101" pitchFamily="18" charset="-127"/>
-                <a:ea typeface="210 옴니고딕 030" panose="02020603020101020101" pitchFamily="18" charset="-127"/>
-                <a:cs typeface="+mj-cs"/>
-              </a:endParaRPr>
-            </a:p>
-          </p:txBody>
-        </p:sp>
-        <p:grpSp>
-          <p:nvGrpSpPr>
-            <p:cNvPr id="25" name="그룹 24"/>
-            <p:cNvGrpSpPr/>
-            <p:nvPr/>
-          </p:nvGrpSpPr>
-          <p:grpSpPr>
-            <a:xfrm>
-              <a:off x="4337109" y="1769323"/>
-              <a:ext cx="3275272" cy="48144"/>
-              <a:chOff x="4337108" y="1769323"/>
-              <a:chExt cx="3275272" cy="48144"/>
-            </a:xfrm>
-          </p:grpSpPr>
-          <p:cxnSp>
-            <p:nvCxnSpPr>
-              <p:cNvPr id="5" name="직선 연결선 4"/>
-              <p:cNvCxnSpPr/>
-              <p:nvPr/>
-            </p:nvCxnSpPr>
-            <p:spPr>
-              <a:xfrm>
-                <a:off x="4337108" y="1817467"/>
-                <a:ext cx="3275272" cy="0"/>
-              </a:xfrm>
-              <a:prstGeom prst="line">
-                <a:avLst/>
-              </a:prstGeom>
-              <a:solidFill>
-                <a:schemeClr val="accent1">
-                  <a:lumMod val="50000"/>
-                  <a:alpha val="70000"/>
-                </a:schemeClr>
-              </a:solidFill>
-              <a:ln w="38100">
-                <a:solidFill>
-                  <a:schemeClr val="tx1"/>
-                </a:solidFill>
-              </a:ln>
-            </p:spPr>
-            <p:style>
-              <a:lnRef idx="1">
-                <a:schemeClr val="accent1"/>
-              </a:lnRef>
-              <a:fillRef idx="0">
-                <a:schemeClr val="accent1"/>
-              </a:fillRef>
-              <a:effectRef idx="0">
-                <a:schemeClr val="accent1"/>
-              </a:effectRef>
-              <a:fontRef idx="minor">
-                <a:schemeClr val="tx1"/>
-              </a:fontRef>
-            </p:style>
-          </p:cxnSp>
-          <p:sp>
-            <p:nvSpPr>
-              <p:cNvPr id="7" name="직사각형 6"/>
-              <p:cNvSpPr/>
-              <p:nvPr/>
-            </p:nvSpPr>
-            <p:spPr>
-              <a:xfrm>
-                <a:off x="4342384" y="1769323"/>
-                <a:ext cx="633711" cy="45719"/>
-              </a:xfrm>
-              <a:prstGeom prst="rect">
-                <a:avLst/>
-              </a:prstGeom>
-              <a:solidFill>
-                <a:schemeClr val="tx1"/>
-              </a:solidFill>
-              <a:ln>
-                <a:solidFill>
-                  <a:schemeClr val="tx1"/>
-                </a:solidFill>
-              </a:ln>
-            </p:spPr>
-            <p:style>
-              <a:lnRef idx="2">
-                <a:schemeClr val="accent1">
-                  <a:shade val="50000"/>
-                </a:schemeClr>
-              </a:lnRef>
-              <a:fillRef idx="1">
-                <a:schemeClr val="accent1"/>
-              </a:fillRef>
-              <a:effectRef idx="0">
-                <a:schemeClr val="accent1"/>
-              </a:effectRef>
-              <a:fontRef idx="minor">
-                <a:schemeClr val="lt1"/>
-              </a:fontRef>
-            </p:style>
-            <p:txBody>
-              <a:bodyPr anchor="ctr"/>
-              <a:lstStyle/>
-              <a:p>
-                <a:pPr algn="ctr">
-                  <a:defRPr/>
-                </a:pPr>
-                <a:endParaRPr lang="ko-KR" altLang="en-US" sz="1500">
-                  <a:latin typeface="+mj-lt"/>
-                </a:endParaRPr>
-              </a:p>
-            </p:txBody>
-          </p:sp>
-        </p:grpSp>
-      </p:grpSp>
-      <p:pic>
-        <p:nvPicPr>
-          <p:cNvPr id="11" name="그림 10"/>
-          <p:cNvPicPr>
-            <a:picLocks noChangeAspect="1"/>
-          </p:cNvPicPr>
-          <p:nvPr/>
-        </p:nvPicPr>
-        <p:blipFill rotWithShape="1">
-          <a:blip r:embed="rId3"/>
-          <a:stretch>
-            <a:fillRect/>
-          </a:stretch>
-        </p:blipFill>
-        <p:spPr>
-          <a:xfrm>
-            <a:off x="5743183" y="5266733"/>
-            <a:ext cx="3136353" cy="1522163"/>
-          </a:xfrm>
-          <a:prstGeom prst="rect">
-            <a:avLst/>
-          </a:prstGeom>
-        </p:spPr>
-      </p:pic>
-      <p:sp>
-        <p:nvSpPr>
-          <p:cNvPr id="4" name="슬라이드 번호 개체 틀 3"/>
-          <p:cNvSpPr>
-            <a:spLocks noGrp="1"/>
-          </p:cNvSpPr>
-          <p:nvPr>
-            <p:ph type="sldNum" sz="quarter" idx="12"/>
-          </p:nvPr>
-        </p:nvSpPr>
-        <p:spPr/>
-        <p:txBody>
-          <a:bodyPr/>
-          <a:lstStyle/>
-          <a:p>
-            <a:pPr lvl="0">
-              <a:defRPr/>
-            </a:pPr>
-            <a:fld id="{97D217C8-C1B9-4E84-BCEB-D9195FCD889E}" type="slidenum">
-              <a:rPr lang="en-US" altLang="en-US"/>
-              <a:pPr lvl="0">
-                <a:defRPr/>
-              </a:pPr>
-              <a:t>2</a:t>
-            </a:fld>
-            <a:endParaRPr lang="en-US" altLang="en-US"/>
-          </a:p>
-        </p:txBody>
-      </p:sp>
-    </p:spTree>
-  </p:cSld>
-  <p:clrMapOvr>
-    <a:masterClrMapping/>
-  </p:clrMapOvr>
-  <mc:AlternateContent xmlns:mc="http://schemas.openxmlformats.org/markup-compatibility/2006">
-    <mc:Choice xmlns:p14="http://schemas.microsoft.com/office/powerpoint/2010/main" xmlns="" Requires="p14">
-      <p:transition advTm="250"/>
-    </mc:Choice>
-    <mc:Fallback>
-      <p:transition/>
-    </mc:Fallback>
-  </mc:AlternateContent>
-</p:sld>
-</file>
-
-<file path=ppt/slides/slide20.xml><?xml version="1.0" encoding="utf-8"?>
+<file path=ppt/slides/slide22.xml><?xml version="1.0" encoding="utf-8"?>
 <p:sld xmlns:a="http://schemas.openxmlformats.org/drawingml/2006/main" xmlns:r="http://schemas.openxmlformats.org/officeDocument/2006/relationships" xmlns:p="http://schemas.openxmlformats.org/presentationml/2006/main">
   <p:cSld>
     <p:spTree>
@@ -15711,11 +17065,18 @@
   <p:clrMapOvr>
     <a:masterClrMapping/>
   </p:clrMapOvr>
-  <p:transition advTm="13313"/>
+  <p:transition advTm="38266"/>
+  <p:timing>
+    <p:tnLst>
+      <p:par>
+        <p:cTn id="1" dur="indefinite" restart="never" nodeType="tmRoot"/>
+      </p:par>
+    </p:tnLst>
+  </p:timing>
 </p:sld>
 </file>
 
-<file path=ppt/slides/slide21.xml><?xml version="1.0" encoding="utf-8"?>
+<file path=ppt/slides/slide23.xml><?xml version="1.0" encoding="utf-8"?>
 <p:sld xmlns:a="http://schemas.openxmlformats.org/drawingml/2006/main" xmlns:r="http://schemas.openxmlformats.org/officeDocument/2006/relationships" xmlns:p="http://schemas.openxmlformats.org/presentationml/2006/main">
   <p:cSld>
     <p:spTree>
@@ -16697,11 +18058,18 @@
   <p:clrMapOvr>
     <a:masterClrMapping/>
   </p:clrMapOvr>
-  <p:transition advTm="13313"/>
+  <p:transition advTm="3484"/>
+  <p:timing>
+    <p:tnLst>
+      <p:par>
+        <p:cTn id="1" dur="indefinite" restart="never" nodeType="tmRoot"/>
+      </p:par>
+    </p:tnLst>
+  </p:timing>
 </p:sld>
 </file>
 
-<file path=ppt/slides/slide22.xml><?xml version="1.0" encoding="utf-8"?>
+<file path=ppt/slides/slide24.xml><?xml version="1.0" encoding="utf-8"?>
 <p:sld xmlns:a="http://schemas.openxmlformats.org/drawingml/2006/main" xmlns:r="http://schemas.openxmlformats.org/officeDocument/2006/relationships" xmlns:p="http://schemas.openxmlformats.org/presentationml/2006/main">
   <p:cSld>
     <p:spTree>
@@ -17696,11 +19064,18 @@
   <p:clrMapOvr>
     <a:masterClrMapping/>
   </p:clrMapOvr>
-  <p:transition advTm="13313"/>
+  <p:transition advTm="15203"/>
+  <p:timing>
+    <p:tnLst>
+      <p:par>
+        <p:cTn id="1" dur="indefinite" restart="never" nodeType="tmRoot"/>
+      </p:par>
+    </p:tnLst>
+  </p:timing>
 </p:sld>
 </file>
 
-<file path=ppt/slides/slide23.xml><?xml version="1.0" encoding="utf-8"?>
+<file path=ppt/slides/slide25.xml><?xml version="1.0" encoding="utf-8"?>
 <p:sld xmlns:a="http://schemas.openxmlformats.org/drawingml/2006/main" xmlns:r="http://schemas.openxmlformats.org/officeDocument/2006/relationships" xmlns:p="http://schemas.openxmlformats.org/presentationml/2006/main">
   <p:cSld>
     <p:spTree>
@@ -18190,11 +19565,18 @@
   <p:clrMapOvr>
     <a:masterClrMapping/>
   </p:clrMapOvr>
-  <p:transition advTm="18969"/>
+  <p:transition advTm="24859"/>
+  <p:timing>
+    <p:tnLst>
+      <p:par>
+        <p:cTn id="1" dur="indefinite" restart="never" nodeType="tmRoot"/>
+      </p:par>
+    </p:tnLst>
+  </p:timing>
 </p:sld>
 </file>
 
-<file path=ppt/slides/slide24.xml><?xml version="1.0" encoding="utf-8"?>
+<file path=ppt/slides/slide26.xml><?xml version="1.0" encoding="utf-8"?>
 <p:sld xmlns:a="http://schemas.openxmlformats.org/drawingml/2006/main" xmlns:r="http://schemas.openxmlformats.org/officeDocument/2006/relationships" xmlns:p="http://schemas.openxmlformats.org/presentationml/2006/main">
   <p:cSld>
     <p:spTree>
@@ -18584,11 +19966,18 @@
   <p:clrMapOvr>
     <a:masterClrMapping/>
   </p:clrMapOvr>
-  <p:transition advTm="18969"/>
+  <p:transition advTm="51172"/>
+  <p:timing>
+    <p:tnLst>
+      <p:par>
+        <p:cTn id="1" dur="indefinite" restart="never" nodeType="tmRoot"/>
+      </p:par>
+    </p:tnLst>
+  </p:timing>
 </p:sld>
 </file>
 
-<file path=ppt/slides/slide25.xml><?xml version="1.0" encoding="utf-8"?>
+<file path=ppt/slides/slide27.xml><?xml version="1.0" encoding="utf-8"?>
 <p:sld xmlns:a="http://schemas.openxmlformats.org/drawingml/2006/main" xmlns:r="http://schemas.openxmlformats.org/officeDocument/2006/relationships" xmlns:p="http://schemas.openxmlformats.org/presentationml/2006/main">
   <p:cSld>
     <p:spTree>
@@ -19552,11 +20941,18 @@
   <p:clrMapOvr>
     <a:masterClrMapping/>
   </p:clrMapOvr>
-  <p:transition advTm="2031"/>
+  <p:transition advTm="30359"/>
+  <p:timing>
+    <p:tnLst>
+      <p:par>
+        <p:cTn id="1" dur="indefinite" restart="never" nodeType="tmRoot"/>
+      </p:par>
+    </p:tnLst>
+  </p:timing>
 </p:sld>
 </file>
 
-<file path=ppt/slides/slide26.xml><?xml version="1.0" encoding="utf-8"?>
+<file path=ppt/slides/slide28.xml><?xml version="1.0" encoding="utf-8"?>
 <p:sld xmlns:a="http://schemas.openxmlformats.org/drawingml/2006/main" xmlns:r="http://schemas.openxmlformats.org/officeDocument/2006/relationships" xmlns:p="http://schemas.openxmlformats.org/presentationml/2006/main">
   <p:cSld>
     <p:spTree>
@@ -19695,7 +21091,7 @@
               <a:pPr lvl="0">
                 <a:defRPr/>
               </a:pPr>
-              <a:t>26</a:t>
+              <a:t>28</a:t>
             </a:fld>
             <a:endParaRPr lang="en-US" altLang="en-US"/>
           </a:p>
@@ -19706,14 +21102,14 @@
   <p:clrMapOvr>
     <a:masterClrMapping/>
   </p:clrMapOvr>
-  <mc:AlternateContent xmlns:mc="http://schemas.openxmlformats.org/markup-compatibility/2006">
-    <mc:Choice xmlns:p14="http://schemas.microsoft.com/office/powerpoint/2010/main" xmlns="" Requires="p14">
-      <p:transition/>
-    </mc:Choice>
-    <mc:Fallback>
-      <p:transition/>
-    </mc:Fallback>
-  </mc:AlternateContent>
+  <p:transition advTm="218"/>
+  <p:timing>
+    <p:tnLst>
+      <p:par>
+        <p:cTn id="1" dur="indefinite" restart="never" nodeType="tmRoot"/>
+      </p:par>
+    </p:tnLst>
+  </p:timing>
 </p:sld>
 </file>
 
@@ -20135,14 +21531,14 @@
   <p:clrMapOvr>
     <a:masterClrMapping/>
   </p:clrMapOvr>
-  <mc:AlternateContent xmlns:mc="http://schemas.openxmlformats.org/markup-compatibility/2006">
-    <mc:Choice xmlns:p14="http://schemas.microsoft.com/office/powerpoint/2010/main" xmlns="" Requires="p14">
-      <p:transition advTm="297"/>
-    </mc:Choice>
-    <mc:Fallback>
-      <p:transition/>
-    </mc:Fallback>
-  </mc:AlternateContent>
+  <p:transition advTm="500"/>
+  <p:timing>
+    <p:tnLst>
+      <p:par>
+        <p:cTn id="1" dur="indefinite" restart="never" nodeType="tmRoot"/>
+      </p:par>
+    </p:tnLst>
+  </p:timing>
 </p:sld>
 </file>
 
@@ -20808,14 +22204,14 @@
   <p:clrMapOvr>
     <a:masterClrMapping/>
   </p:clrMapOvr>
-  <mc:AlternateContent xmlns:mc="http://schemas.openxmlformats.org/markup-compatibility/2006">
-    <mc:Choice xmlns:p14="http://schemas.microsoft.com/office/powerpoint/2010/main" xmlns="" Requires="p14">
-      <p:transition advTm="203"/>
-    </mc:Choice>
-    <mc:Fallback>
-      <p:transition/>
-    </mc:Fallback>
-  </mc:AlternateContent>
+  <p:transition advTm="187"/>
+  <p:timing>
+    <p:tnLst>
+      <p:par>
+        <p:cTn id="1" dur="indefinite" restart="never" nodeType="tmRoot"/>
+      </p:par>
+    </p:tnLst>
+  </p:timing>
 </p:sld>
 </file>
 
@@ -21587,14 +22983,14 @@
   <p:clrMapOvr>
     <a:masterClrMapping/>
   </p:clrMapOvr>
-  <mc:AlternateContent xmlns:mc="http://schemas.openxmlformats.org/markup-compatibility/2006">
-    <mc:Choice xmlns:p14="http://schemas.microsoft.com/office/powerpoint/2010/main" xmlns="" Requires="p14">
-      <p:transition advTm="203"/>
-    </mc:Choice>
-    <mc:Fallback>
-      <p:transition/>
-    </mc:Fallback>
-  </mc:AlternateContent>
+  <p:transition advTm="187"/>
+  <p:timing>
+    <p:tnLst>
+      <p:par>
+        <p:cTn id="1" dur="indefinite" restart="never" nodeType="tmRoot"/>
+      </p:par>
+    </p:tnLst>
+  </p:timing>
 </p:sld>
 </file>
 
@@ -22494,14 +23890,14 @@
   <p:clrMapOvr>
     <a:masterClrMapping/>
   </p:clrMapOvr>
-  <mc:AlternateContent xmlns:mc="http://schemas.openxmlformats.org/markup-compatibility/2006">
-    <mc:Choice xmlns:p14="http://schemas.microsoft.com/office/powerpoint/2010/main" xmlns="" Requires="p14">
-      <p:transition advTm="203"/>
-    </mc:Choice>
-    <mc:Fallback>
-      <p:transition/>
-    </mc:Fallback>
-  </mc:AlternateContent>
+  <p:transition advTm="313"/>
+  <p:timing>
+    <p:tnLst>
+      <p:par>
+        <p:cTn id="1" dur="indefinite" restart="never" nodeType="tmRoot"/>
+      </p:par>
+    </p:tnLst>
+  </p:timing>
 </p:sld>
 </file>
 
@@ -23309,14 +24705,14 @@
   <p:clrMapOvr>
     <a:masterClrMapping/>
   </p:clrMapOvr>
-  <mc:AlternateContent xmlns:mc="http://schemas.openxmlformats.org/markup-compatibility/2006">
-    <mc:Choice xmlns:p14="http://schemas.microsoft.com/office/powerpoint/2010/main" xmlns="" Requires="p14">
-      <p:transition advTm="203"/>
-    </mc:Choice>
-    <mc:Fallback>
-      <p:transition/>
-    </mc:Fallback>
-  </mc:AlternateContent>
+  <p:transition advTm="125"/>
+  <p:timing>
+    <p:tnLst>
+      <p:par>
+        <p:cTn id="1" dur="indefinite" restart="never" nodeType="tmRoot"/>
+      </p:par>
+    </p:tnLst>
+  </p:timing>
 </p:sld>
 </file>
 
@@ -23974,14 +25370,14 @@
   <p:clrMapOvr>
     <a:masterClrMapping/>
   </p:clrMapOvr>
-  <mc:AlternateContent xmlns:mc="http://schemas.openxmlformats.org/markup-compatibility/2006">
-    <mc:Choice xmlns:p14="http://schemas.microsoft.com/office/powerpoint/2010/main" xmlns="" Requires="p14">
-      <p:transition/>
-    </mc:Choice>
-    <mc:Fallback>
-      <p:transition/>
-    </mc:Fallback>
-  </mc:AlternateContent>
+  <p:transition advTm="110"/>
+  <p:timing>
+    <p:tnLst>
+      <p:par>
+        <p:cTn id="1" dur="indefinite" restart="never" nodeType="tmRoot"/>
+      </p:par>
+    </p:tnLst>
+  </p:timing>
 </p:sld>
 </file>
 
@@ -24294,14 +25690,14 @@
   <p:clrMapOvr>
     <a:masterClrMapping/>
   </p:clrMapOvr>
-  <mc:AlternateContent xmlns:mc="http://schemas.openxmlformats.org/markup-compatibility/2006">
-    <mc:Choice xmlns:p14="http://schemas.microsoft.com/office/powerpoint/2010/main" xmlns="" Requires="p14">
-      <p:transition advTm="250"/>
-    </mc:Choice>
-    <mc:Fallback>
-      <p:transition/>
-    </mc:Fallback>
-  </mc:AlternateContent>
+  <p:transition advTm="297"/>
+  <p:timing>
+    <p:tnLst>
+      <p:par>
+        <p:cTn id="1" dur="indefinite" restart="never" nodeType="tmRoot"/>
+      </p:par>
+    </p:tnLst>
+  </p:timing>
 </p:sld>
 </file>
 
